--- a/03. Operators-Expressions-and-Statements/3. Operators-Expressions-and-Statements.pptx
+++ b/03. Operators-Expressions-and-Statements/3. Operators-Expressions-and-Statements.pptx
@@ -158,7 +158,7 @@
   </p:defaultTextStyle>
   <p:extLst>
     <p:ext uri="{EFAFB233-063F-42B5-8137-9DF3F51BA10A}">
-      <p15:sldGuideLst xmlns:p15="http://schemas.microsoft.com/office/powerpoint/2012/main">
+      <p15:sldGuideLst xmlns="" xmlns:p15="http://schemas.microsoft.com/office/powerpoint/2012/main">
         <p15:guide id="1" orient="horz" pos="2160">
           <p15:clr>
             <a:srgbClr val="A4A3A4"/>
@@ -172,7 +172,7 @@
       </p15:sldGuideLst>
     </p:ext>
     <p:ext uri="{2D200454-40CA-4A62-9FC3-DE9A4176ACB9}">
-      <p15:notesGuideLst xmlns:p15="http://schemas.microsoft.com/office/powerpoint/2012/main">
+      <p15:notesGuideLst xmlns="" xmlns:p15="http://schemas.microsoft.com/office/powerpoint/2012/main">
         <p15:guide id="1" orient="horz" pos="2880">
           <p15:clr>
             <a:srgbClr val="A4A3A4"/>
@@ -271,7 +271,7 @@
           <a:p>
             <a:fld id="{AD79ACE0-A77F-4559-915E-1CFA5DBBBEA4}" type="datetimeFigureOut">
               <a:rPr lang="en-US" smtClean="0"/>
-              <a:t>13-03-2014</a:t>
+              <a:t>6/5/2014</a:t>
             </a:fld>
             <a:endParaRPr lang="en-US"/>
           </a:p>
@@ -4332,7 +4332,7 @@
             <a:fld id="{055373AC-9AA7-423B-BA00-BA1C74164DBD}" type="datetime1">
               <a:rPr lang="en-US" smtClean="0"/>
               <a:pPr/>
-              <a:t>13-03-2014</a:t>
+              <a:t>6/5/2014</a:t>
             </a:fld>
             <a:endParaRPr lang="en-US" dirty="0"/>
           </a:p>
@@ -6445,7 +6445,7 @@
             <a:fld id="{055373AC-9AA7-423B-BA00-BA1C74164DBD}" type="datetime1">
               <a:rPr lang="en-US" smtClean="0"/>
               <a:pPr/>
-              <a:t>13-03-2014</a:t>
+              <a:t>6/5/2014</a:t>
             </a:fld>
             <a:endParaRPr lang="en-US" dirty="0"/>
           </a:p>
@@ -6992,7 +6992,7 @@
   </p:txStyles>
   <p:extLst mod="1">
     <p:ext uri="{27BBF7A9-308A-43DC-89C8-2F10F3537804}">
-      <p15:sldGuideLst xmlns:p15="http://schemas.microsoft.com/office/powerpoint/2012/main">
+      <p15:sldGuideLst xmlns="" xmlns:p15="http://schemas.microsoft.com/office/powerpoint/2012/main">
         <p15:guide id="1" orient="horz" pos="2160">
           <p15:clr>
             <a:srgbClr val="F26B43"/>
@@ -9801,9 +9801,15 @@
                 <a:solidFill>
                   <a:srgbClr val="F0A22E"/>
                 </a:solidFill>
+                <a:hlinkClick r:id="rId3"/>
               </a:rPr>
               <a:t>Live Demo</a:t>
             </a:r>
+            <a:endParaRPr lang="en-US" sz="4000" spc="200" dirty="0">
+              <a:solidFill>
+                <a:srgbClr val="F0A22E"/>
+              </a:solidFill>
+            </a:endParaRPr>
           </a:p>
         </p:txBody>
       </p:sp>
@@ -9816,7 +9822,7 @@
           <p:nvPr/>
         </p:nvPicPr>
         <p:blipFill>
-          <a:blip r:embed="rId3" cstate="screen"/>
+          <a:blip r:embed="rId4" cstate="screen"/>
           <a:srcRect/>
           <a:stretch>
             <a:fillRect/>
@@ -16613,9 +16619,15 @@
                 <a:solidFill>
                   <a:srgbClr val="F0A22E"/>
                 </a:solidFill>
+                <a:hlinkClick r:id="rId4"/>
               </a:rPr>
               <a:t>Live Demo</a:t>
             </a:r>
+            <a:endParaRPr lang="en-US" sz="4000" spc="200" dirty="0">
+              <a:solidFill>
+                <a:srgbClr val="F0A22E"/>
+              </a:solidFill>
+            </a:endParaRPr>
           </a:p>
         </p:txBody>
       </p:sp>
@@ -16628,7 +16640,7 @@
           <p:nvPr/>
         </p:nvPicPr>
         <p:blipFill>
-          <a:blip r:embed="rId4" cstate="screen"/>
+          <a:blip r:embed="rId5" cstate="screen"/>
           <a:srcRect/>
           <a:stretch>
             <a:fillRect/>
@@ -25771,39 +25783,8 @@
                 <a:latin typeface="Consolas" pitchFamily="49" charset="0"/>
                 <a:cs typeface="Consolas" pitchFamily="49" charset="0"/>
               </a:rPr>
-              <a:t>// </a:t>
-            </a:r>
-            <a:r>
-              <a:rPr lang="it-IT" b="1" noProof="1">
-                <a:solidFill>
-                  <a:srgbClr val="8CF4F2"/>
-                </a:solidFill>
-                <a:effectLst>
-                  <a:outerShdw blurRad="38100" dist="38100" dir="2700000" algn="tl">
-                    <a:srgbClr val="000000">
-                      <a:alpha val="43137"/>
-                    </a:srgbClr>
-                  </a:outerShdw>
-                </a:effectLst>
-                <a:latin typeface="Consolas" pitchFamily="49" charset="0"/>
-                <a:cs typeface="Consolas" pitchFamily="49" charset="0"/>
-              </a:rPr>
-              <a:t>0000000000110011</a:t>
-            </a:r>
-            <a:endParaRPr lang="it-IT" b="1" noProof="1">
-              <a:solidFill>
-                <a:srgbClr val="8CF4F2"/>
-              </a:solidFill>
-              <a:effectLst>
-                <a:outerShdw blurRad="38100" dist="38100" dir="2700000" algn="tl">
-                  <a:srgbClr val="000000">
-                    <a:alpha val="43137"/>
-                  </a:srgbClr>
-                </a:outerShdw>
-              </a:effectLst>
-              <a:latin typeface="Consolas" pitchFamily="49" charset="0"/>
-              <a:cs typeface="Consolas" pitchFamily="49" charset="0"/>
-            </a:endParaRPr>
+              <a:t>// 0000000000110011</a:t>
+            </a:r>
           </a:p>
         </p:txBody>
       </p:sp>
@@ -25969,9 +25950,15 @@
                 <a:solidFill>
                   <a:srgbClr val="F0A22E"/>
                 </a:solidFill>
+                <a:hlinkClick r:id="rId3"/>
               </a:rPr>
               <a:t>Live Demo</a:t>
             </a:r>
+            <a:endParaRPr lang="en-US" sz="4000" spc="200" dirty="0">
+              <a:solidFill>
+                <a:srgbClr val="F0A22E"/>
+              </a:solidFill>
+            </a:endParaRPr>
           </a:p>
         </p:txBody>
       </p:sp>
@@ -25984,7 +25971,7 @@
           <p:nvPr/>
         </p:nvPicPr>
         <p:blipFill>
-          <a:blip r:embed="rId3" cstate="screen"/>
+          <a:blip r:embed="rId4" cstate="screen"/>
           <a:srcRect/>
           <a:stretch>
             <a:fillRect/>
@@ -26015,7 +26002,7 @@
           <p:nvPr/>
         </p:nvPicPr>
         <p:blipFill>
-          <a:blip r:embed="rId4" cstate="screen">
+          <a:blip r:embed="rId5" cstate="screen">
             <a:lum contrast="-10000"/>
           </a:blip>
           <a:srcRect/>
@@ -30451,9 +30438,15 @@
                 <a:solidFill>
                   <a:srgbClr val="F0A22E"/>
                 </a:solidFill>
+                <a:hlinkClick r:id="rId3"/>
               </a:rPr>
               <a:t>Live Demo</a:t>
             </a:r>
+            <a:endParaRPr lang="en-US" sz="4000" spc="200" dirty="0">
+              <a:solidFill>
+                <a:srgbClr val="F0A22E"/>
+              </a:solidFill>
+            </a:endParaRPr>
           </a:p>
         </p:txBody>
       </p:sp>
@@ -30466,7 +30459,7 @@
           <p:nvPr/>
         </p:nvPicPr>
         <p:blipFill>
-          <a:blip r:embed="rId3" cstate="screen"/>
+          <a:blip r:embed="rId4" cstate="screen"/>
           <a:srcRect/>
           <a:stretch>
             <a:fillRect/>
@@ -32606,9 +32599,15 @@
                 <a:solidFill>
                   <a:srgbClr val="F0A22E"/>
                 </a:solidFill>
+                <a:hlinkClick r:id="rId3"/>
               </a:rPr>
               <a:t>Live Demo</a:t>
             </a:r>
+            <a:endParaRPr lang="en-US" sz="4000" spc="200" dirty="0">
+              <a:solidFill>
+                <a:srgbClr val="F0A22E"/>
+              </a:solidFill>
+            </a:endParaRPr>
           </a:p>
         </p:txBody>
       </p:sp>
@@ -32621,7 +32620,7 @@
           <p:nvPr/>
         </p:nvPicPr>
         <p:blipFill>
-          <a:blip r:embed="rId3" cstate="screen"/>
+          <a:blip r:embed="rId4" cstate="screen"/>
           <a:srcRect/>
           <a:stretch>
             <a:fillRect/>
@@ -34052,9 +34051,15 @@
                 <a:solidFill>
                   <a:srgbClr val="F0A22E"/>
                 </a:solidFill>
+                <a:hlinkClick r:id="rId3"/>
               </a:rPr>
               <a:t>Live Demo</a:t>
             </a:r>
+            <a:endParaRPr lang="en-US" sz="4000" spc="200" dirty="0">
+              <a:solidFill>
+                <a:srgbClr val="F0A22E"/>
+              </a:solidFill>
+            </a:endParaRPr>
           </a:p>
         </p:txBody>
       </p:sp>
@@ -34067,7 +34072,7 @@
           <p:nvPr/>
         </p:nvPicPr>
         <p:blipFill>
-          <a:blip r:embed="rId3" cstate="screen"/>
+          <a:blip r:embed="rId4" cstate="screen"/>
           <a:srcRect/>
           <a:stretch>
             <a:fillRect/>
@@ -44311,7 +44316,7 @@
   <a:extraClrSchemeLst/>
   <a:extLst>
     <a:ext uri="{05A4C25C-085E-4340-85A3-A5531E510DB2}">
-      <thm15:themeFamily xmlns:thm15="http://schemas.microsoft.com/office/thememl/2012/main" name="SoftUniFoundation" id="{4569CC37-8939-4D0B-BE63-0C892D7F1C03}" vid="{F90E7DFB-A8DE-4492-BBD3-9D3D8F39D2EC}"/>
+      <thm15:themeFamily xmlns="" xmlns:thm15="http://schemas.microsoft.com/office/thememl/2012/main" name="SoftUniFoundation" id="{4569CC37-8939-4D0B-BE63-0C892D7F1C03}" vid="{F90E7DFB-A8DE-4492-BBD3-9D3D8F39D2EC}"/>
     </a:ext>
   </a:extLst>
 </a:theme>
@@ -44360,7 +44365,7 @@
     </a:clrScheme>
     <a:fontScheme name="Office">
       <a:majorFont>
-        <a:latin typeface="Calibri Light" panose="020F0302020204030204"/>
+        <a:latin typeface="Calibri Light"/>
         <a:ea typeface=""/>
         <a:cs typeface=""/>
         <a:font script="Jpan" typeface="ＭＳ Ｐゴシック"/>
@@ -44395,7 +44400,7 @@
         <a:font script="Geor" typeface="Sylfaen"/>
       </a:majorFont>
       <a:minorFont>
-        <a:latin typeface="Calibri" panose="020F0502020204030204"/>
+        <a:latin typeface="Calibri"/>
         <a:ea typeface=""/>
         <a:cs typeface=""/>
         <a:font script="Jpan" typeface="ＭＳ Ｐゴシック"/>
@@ -44572,7 +44577,7 @@
   <a:extraClrSchemeLst/>
   <a:extLst>
     <a:ext uri="{05A4C25C-085E-4340-85A3-A5531E510DB2}">
-      <thm15:themeFamily xmlns:thm15="http://schemas.microsoft.com/office/thememl/2012/main" name="Office Theme" id="{62F939B6-93AF-4DB8-9C6B-D6C7DFDC589F}" vid="{4A3C46E8-61CC-4603-A589-7422A47A8E4A}"/>
+      <thm15:themeFamily xmlns="" xmlns:thm15="http://schemas.microsoft.com/office/thememl/2012/main" name="Office Theme" id="{62F939B6-93AF-4DB8-9C6B-D6C7DFDC589F}" vid="{4A3C46E8-61CC-4603-A589-7422A47A8E4A}"/>
     </a:ext>
   </a:extLst>
 </a:theme>

--- a/03. Operators-Expressions-and-Statements/3. Operators-Expressions-and-Statements.pptx
+++ b/03. Operators-Expressions-and-Statements/3. Operators-Expressions-and-Statements.pptx
@@ -5,7 +5,7 @@
     <p:sldMasterId id="2147483660" r:id="rId1"/>
   </p:sldMasterIdLst>
   <p:notesMasterIdLst>
-    <p:notesMasterId r:id="rId52"/>
+    <p:notesMasterId r:id="rId53"/>
   </p:notesMasterIdLst>
   <p:sldIdLst>
     <p:sldId id="256" r:id="rId2"/>
@@ -57,7 +57,8 @@
     <p:sldId id="305" r:id="rId48"/>
     <p:sldId id="304" r:id="rId49"/>
     <p:sldId id="312" r:id="rId50"/>
-    <p:sldId id="313" r:id="rId51"/>
+    <p:sldId id="314" r:id="rId51"/>
+    <p:sldId id="313" r:id="rId52"/>
   </p:sldIdLst>
   <p:sldSz cx="12188825" cy="6858000"/>
   <p:notesSz cx="6858000" cy="9144000"/>
@@ -158,7 +159,7 @@
   </p:defaultTextStyle>
   <p:extLst>
     <p:ext uri="{EFAFB233-063F-42B5-8137-9DF3F51BA10A}">
-      <p15:sldGuideLst xmlns="" xmlns:p15="http://schemas.microsoft.com/office/powerpoint/2012/main">
+      <p15:sldGuideLst xmlns:p15="http://schemas.microsoft.com/office/powerpoint/2012/main">
         <p15:guide id="1" orient="horz" pos="2160">
           <p15:clr>
             <a:srgbClr val="A4A3A4"/>
@@ -172,7 +173,7 @@
       </p15:sldGuideLst>
     </p:ext>
     <p:ext uri="{2D200454-40CA-4A62-9FC3-DE9A4176ACB9}">
-      <p15:notesGuideLst xmlns="" xmlns:p15="http://schemas.microsoft.com/office/powerpoint/2012/main">
+      <p15:notesGuideLst xmlns:p15="http://schemas.microsoft.com/office/powerpoint/2012/main">
         <p15:guide id="1" orient="horz" pos="2880">
           <p15:clr>
             <a:srgbClr val="A4A3A4"/>
@@ -271,7 +272,7 @@
           <a:p>
             <a:fld id="{AD79ACE0-A77F-4559-915E-1CFA5DBBBEA4}" type="datetimeFigureOut">
               <a:rPr lang="en-US" smtClean="0"/>
-              <a:t>6/5/2014</a:t>
+              <a:t>10-Nov-14</a:t>
             </a:fld>
             <a:endParaRPr lang="en-US"/>
           </a:p>
@@ -2468,6 +2469,69 @@
       </p:grpSpPr>
       <p:sp>
         <p:nvSpPr>
+          <p:cNvPr id="445442" name="Rectangle 2"/>
+          <p:cNvSpPr>
+            <a:spLocks noGrp="1" noRot="1" noChangeAspect="1" noChangeArrowheads="1" noTextEdit="1"/>
+          </p:cNvSpPr>
+          <p:nvPr>
+            <p:ph type="sldImg"/>
+          </p:nvPr>
+        </p:nvSpPr>
+        <p:spPr>
+          <a:ln/>
+        </p:spPr>
+      </p:sp>
+      <p:sp>
+        <p:nvSpPr>
+          <p:cNvPr id="445443" name="Rectangle 3"/>
+          <p:cNvSpPr>
+            <a:spLocks noGrp="1" noChangeArrowheads="1"/>
+          </p:cNvSpPr>
+          <p:nvPr>
+            <p:ph type="body" idx="1"/>
+          </p:nvPr>
+        </p:nvSpPr>
+        <p:spPr/>
+        <p:txBody>
+          <a:bodyPr/>
+          <a:lstStyle/>
+          <a:p>
+            <a:endParaRPr lang="bg-BG"/>
+          </a:p>
+        </p:txBody>
+      </p:sp>
+    </p:spTree>
+    <p:extLst>
+      <p:ext uri="{BB962C8B-B14F-4D97-AF65-F5344CB8AC3E}">
+        <p14:creationId xmlns:p14="http://schemas.microsoft.com/office/powerpoint/2010/main" val="3895093327"/>
+      </p:ext>
+    </p:extLst>
+  </p:cSld>
+  <p:clrMapOvr>
+    <a:masterClrMapping/>
+  </p:clrMapOvr>
+</p:notes>
+</file>
+
+<file path=ppt/notesSlides/notesSlide21.xml><?xml version="1.0" encoding="utf-8"?>
+<p:notes xmlns:a="http://schemas.openxmlformats.org/drawingml/2006/main" xmlns:r="http://schemas.openxmlformats.org/officeDocument/2006/relationships" xmlns:p="http://schemas.openxmlformats.org/presentationml/2006/main">
+  <p:cSld>
+    <p:spTree>
+      <p:nvGrpSpPr>
+        <p:cNvPr id="1" name=""/>
+        <p:cNvGrpSpPr/>
+        <p:nvPr/>
+      </p:nvGrpSpPr>
+      <p:grpSpPr>
+        <a:xfrm>
+          <a:off x="0" y="0"/>
+          <a:ext cx="0" cy="0"/>
+          <a:chOff x="0" y="0"/>
+          <a:chExt cx="0" cy="0"/>
+        </a:xfrm>
+      </p:grpSpPr>
+      <p:sp>
+        <p:nvSpPr>
           <p:cNvPr id="2" name="Slide Image Placeholder 1"/>
           <p:cNvSpPr>
             <a:spLocks noGrp="1" noRot="1" noChangeAspect="1"/>
@@ -2565,7 +2629,7 @@
             <a:fld id="{3EBA5BD7-F043-4D1B-AA17-CD412FC534DE}" type="slidenum">
               <a:rPr lang="en-US" smtClean="0"/>
               <a:pPr/>
-              <a:t>50</a:t>
+              <a:t>51</a:t>
             </a:fld>
             <a:endParaRPr lang="en-US" dirty="0"/>
           </a:p>
@@ -4332,7 +4396,7 @@
             <a:fld id="{055373AC-9AA7-423B-BA00-BA1C74164DBD}" type="datetime1">
               <a:rPr lang="en-US" smtClean="0"/>
               <a:pPr/>
-              <a:t>6/5/2014</a:t>
+              <a:t>10-Nov-14</a:t>
             </a:fld>
             <a:endParaRPr lang="en-US" dirty="0"/>
           </a:p>
@@ -6445,7 +6509,7 @@
             <a:fld id="{055373AC-9AA7-423B-BA00-BA1C74164DBD}" type="datetime1">
               <a:rPr lang="en-US" smtClean="0"/>
               <a:pPr/>
-              <a:t>6/5/2014</a:t>
+              <a:t>10-Nov-14</a:t>
             </a:fld>
             <a:endParaRPr lang="en-US" dirty="0"/>
           </a:p>
@@ -6992,7 +7056,7 @@
   </p:txStyles>
   <p:extLst mod="1">
     <p:ext uri="{27BBF7A9-308A-43DC-89C8-2F10F3537804}">
-      <p15:sldGuideLst xmlns="" xmlns:p15="http://schemas.microsoft.com/office/powerpoint/2012/main">
+      <p15:sldGuideLst xmlns:p15="http://schemas.microsoft.com/office/powerpoint/2012/main">
         <p15:guide id="1" orient="horz" pos="2160">
           <p15:clr>
             <a:srgbClr val="F26B43"/>
@@ -8155,7 +8219,7 @@
             <a:r>
               <a:rPr lang="it-IT" sz="2200" b="1" noProof="1">
                 <a:solidFill>
-                  <a:srgbClr val="8CF4F2"/>
+                  <a:schemeClr val="tx2"/>
                 </a:solidFill>
                 <a:effectLst>
                   <a:outerShdw blurRad="38100" dist="38100" dir="2700000" algn="tl">
@@ -8186,7 +8250,7 @@
             <a:r>
               <a:rPr lang="it-IT" sz="2200" b="1" noProof="1">
                 <a:solidFill>
-                  <a:srgbClr val="8CF4F2"/>
+                  <a:schemeClr val="tx2"/>
                 </a:solidFill>
                 <a:effectLst>
                   <a:outerShdw blurRad="38100" dist="38100" dir="2700000" algn="tl">
@@ -8217,7 +8281,7 @@
             <a:r>
               <a:rPr lang="it-IT" sz="2200" b="1" noProof="1">
                 <a:solidFill>
-                  <a:srgbClr val="8CF4F2"/>
+                  <a:schemeClr val="tx2"/>
                 </a:solidFill>
                 <a:effectLst>
                   <a:outerShdw blurRad="38100" dist="38100" dir="2700000" algn="tl">
@@ -8248,7 +8312,7 @@
             <a:r>
               <a:rPr lang="it-IT" sz="2200" b="1" noProof="1">
                 <a:solidFill>
-                  <a:srgbClr val="8CF4F2"/>
+                  <a:schemeClr val="tx2"/>
                 </a:solidFill>
                 <a:effectLst>
                   <a:outerShdw blurRad="38100" dist="38100" dir="2700000" algn="tl">
@@ -8279,7 +8343,7 @@
             <a:r>
               <a:rPr lang="it-IT" sz="2200" b="1" noProof="1">
                 <a:solidFill>
-                  <a:srgbClr val="8CF4F2"/>
+                  <a:schemeClr val="tx2"/>
                 </a:solidFill>
                 <a:effectLst>
                   <a:outerShdw blurRad="38100" dist="38100" dir="2700000" algn="tl">
@@ -8313,7 +8377,7 @@
             <a:r>
               <a:rPr lang="it-IT" sz="2200" b="1" noProof="1">
                 <a:solidFill>
-                  <a:srgbClr val="8CF4F2"/>
+                  <a:schemeClr val="tx2"/>
                 </a:solidFill>
                 <a:effectLst>
                   <a:outerShdw blurRad="38100" dist="38100" dir="2700000" algn="tl">
@@ -8344,7 +8408,7 @@
             <a:r>
               <a:rPr lang="it-IT" sz="2200" b="1" noProof="1">
                 <a:solidFill>
-                  <a:srgbClr val="8CF4F2"/>
+                  <a:schemeClr val="tx2"/>
                 </a:solidFill>
                 <a:effectLst>
                   <a:outerShdw blurRad="38100" dist="38100" dir="2700000" algn="tl">
@@ -8375,7 +8439,7 @@
             <a:r>
               <a:rPr lang="it-IT" sz="2200" b="1" noProof="1">
                 <a:solidFill>
-                  <a:srgbClr val="8CF4F2"/>
+                  <a:schemeClr val="tx2"/>
                 </a:solidFill>
                 <a:effectLst>
                   <a:outerShdw blurRad="38100" dist="38100" dir="2700000" algn="tl">
@@ -8406,7 +8470,7 @@
             <a:r>
               <a:rPr lang="it-IT" sz="2200" b="1" noProof="1">
                 <a:solidFill>
-                  <a:srgbClr val="8CF4F2"/>
+                  <a:schemeClr val="tx2"/>
                 </a:solidFill>
                 <a:effectLst>
                   <a:outerShdw blurRad="38100" dist="38100" dir="2700000" algn="tl">
@@ -8437,7 +8501,7 @@
             <a:r>
               <a:rPr lang="it-IT" sz="2200" b="1" noProof="1">
                 <a:solidFill>
-                  <a:srgbClr val="8CF4F2"/>
+                  <a:schemeClr val="tx2"/>
                 </a:solidFill>
                 <a:effectLst>
                   <a:outerShdw blurRad="38100" dist="38100" dir="2700000" algn="tl">
@@ -8468,7 +8532,7 @@
             <a:r>
               <a:rPr lang="it-IT" sz="2200" b="1" noProof="1">
                 <a:solidFill>
-                  <a:srgbClr val="8CF4F2"/>
+                  <a:schemeClr val="tx2"/>
                 </a:solidFill>
                 <a:effectLst>
                   <a:outerShdw blurRad="38100" dist="38100" dir="2700000" algn="tl">
@@ -8499,7 +8563,7 @@
             <a:r>
               <a:rPr lang="it-IT" sz="2200" b="1" noProof="1">
                 <a:solidFill>
-                  <a:srgbClr val="8CF4F2"/>
+                  <a:schemeClr val="tx2"/>
                 </a:solidFill>
                 <a:effectLst>
                   <a:outerShdw blurRad="38100" dist="38100" dir="2700000" algn="tl">
@@ -8516,7 +8580,7 @@
             <a:r>
               <a:rPr lang="it-IT" sz="2200" b="1" noProof="1" smtClean="0">
                 <a:solidFill>
-                  <a:srgbClr val="8CF4F2"/>
+                  <a:schemeClr val="tx2"/>
                 </a:solidFill>
                 <a:effectLst>
                   <a:outerShdw blurRad="38100" dist="38100" dir="2700000" algn="tl">
@@ -8532,7 +8596,7 @@
             </a:r>
             <a:endParaRPr lang="it-IT" sz="2200" b="1" noProof="1">
               <a:solidFill>
-                <a:srgbClr val="8CF4F2"/>
+                <a:schemeClr val="tx2"/>
               </a:solidFill>
               <a:effectLst>
                 <a:outerShdw blurRad="38100" dist="38100" dir="2700000" algn="tl">
@@ -8704,7 +8768,7 @@
             <a:r>
               <a:rPr lang="it-IT" sz="2200" b="1" noProof="1">
                 <a:solidFill>
-                  <a:srgbClr val="8CF4F2"/>
+                  <a:schemeClr val="tx2"/>
                 </a:solidFill>
                 <a:effectLst>
                   <a:outerShdw blurRad="38100" dist="38100" dir="2700000" algn="tl">
@@ -8735,7 +8799,7 @@
             <a:r>
               <a:rPr lang="it-IT" sz="2200" b="1" noProof="1">
                 <a:solidFill>
-                  <a:srgbClr val="8CF4F2"/>
+                  <a:schemeClr val="tx2"/>
                 </a:solidFill>
                 <a:effectLst>
                   <a:outerShdw blurRad="38100" dist="38100" dir="2700000" algn="tl">
@@ -8762,7 +8826,7 @@
             </a:pPr>
             <a:endParaRPr lang="it-IT" sz="2200" b="1" noProof="1" smtClean="0">
               <a:solidFill>
-                <a:srgbClr val="8CF4F2"/>
+                <a:schemeClr val="tx2"/>
               </a:solidFill>
               <a:effectLst>
                 <a:outerShdw blurRad="38100" dist="38100" dir="2700000" algn="tl">
@@ -8788,7 +8852,7 @@
             <a:r>
               <a:rPr lang="it-IT" sz="2200" b="1" noProof="1" smtClean="0">
                 <a:solidFill>
-                  <a:srgbClr val="8CF4F2"/>
+                  <a:schemeClr val="tx2"/>
                 </a:solidFill>
                 <a:effectLst>
                   <a:outerShdw blurRad="38100" dist="38100" dir="2700000" algn="tl">
@@ -8805,7 +8869,7 @@
             <a:r>
               <a:rPr lang="it-IT" sz="2200" b="1" noProof="1">
                 <a:solidFill>
-                  <a:srgbClr val="8CF4F2"/>
+                  <a:schemeClr val="tx2"/>
                 </a:solidFill>
                 <a:effectLst>
                   <a:outerShdw blurRad="38100" dist="38100" dir="2700000" algn="tl">
@@ -8833,7 +8897,7 @@
             <a:r>
               <a:rPr lang="it-IT" sz="2200" b="1" noProof="1">
                 <a:solidFill>
-                  <a:srgbClr val="8CF4F2"/>
+                  <a:schemeClr val="tx2"/>
                 </a:solidFill>
                 <a:effectLst>
                   <a:outerShdw blurRad="38100" dist="38100" dir="2700000" algn="tl">
@@ -8861,7 +8925,7 @@
             <a:r>
               <a:rPr lang="it-IT" sz="2200" b="1" noProof="1">
                 <a:solidFill>
-                  <a:srgbClr val="8CF4F2"/>
+                  <a:schemeClr val="tx2"/>
                 </a:solidFill>
                 <a:effectLst>
                   <a:outerShdw blurRad="38100" dist="38100" dir="2700000" algn="tl">
@@ -8889,7 +8953,7 @@
             <a:r>
               <a:rPr lang="it-IT" sz="2200" b="1" noProof="1">
                 <a:solidFill>
-                  <a:srgbClr val="8CF4F2"/>
+                  <a:schemeClr val="tx2"/>
                 </a:solidFill>
                 <a:effectLst>
                   <a:outerShdw blurRad="38100" dist="38100" dir="2700000" algn="tl">
@@ -8917,7 +8981,7 @@
             <a:r>
               <a:rPr lang="it-IT" sz="2200" b="1" noProof="1">
                 <a:solidFill>
-                  <a:srgbClr val="8CF4F2"/>
+                  <a:schemeClr val="tx2"/>
                 </a:solidFill>
                 <a:effectLst>
                   <a:outerShdw blurRad="38100" dist="38100" dir="2700000" algn="tl">
@@ -8944,7 +9008,7 @@
             </a:pPr>
             <a:endParaRPr lang="it-IT" sz="2200" b="1" noProof="1">
               <a:solidFill>
-                <a:srgbClr val="8CF4F2"/>
+                <a:schemeClr val="tx2"/>
               </a:solidFill>
               <a:effectLst>
                 <a:outerShdw blurRad="38100" dist="38100" dir="2700000" algn="tl">
@@ -8970,7 +9034,7 @@
             <a:r>
               <a:rPr lang="it-IT" sz="2200" b="1" noProof="1">
                 <a:solidFill>
-                  <a:srgbClr val="8CF4F2"/>
+                  <a:schemeClr val="tx2"/>
                 </a:solidFill>
                 <a:effectLst>
                   <a:outerShdw blurRad="38100" dist="38100" dir="2700000" algn="tl">
@@ -8998,7 +9062,7 @@
             <a:r>
               <a:rPr lang="it-IT" sz="2200" b="1" noProof="1">
                 <a:solidFill>
-                  <a:srgbClr val="8CF4F2"/>
+                  <a:schemeClr val="tx2"/>
                 </a:solidFill>
                 <a:effectLst>
                   <a:outerShdw blurRad="38100" dist="38100" dir="2700000" algn="tl">
@@ -9026,7 +9090,7 @@
             <a:r>
               <a:rPr lang="it-IT" sz="2200" b="1" noProof="1">
                 <a:solidFill>
-                  <a:srgbClr val="8CF4F2"/>
+                  <a:schemeClr val="tx2"/>
                 </a:solidFill>
                 <a:effectLst>
                   <a:outerShdw blurRad="38100" dist="38100" dir="2700000" algn="tl">
@@ -9053,7 +9117,7 @@
             </a:pPr>
             <a:endParaRPr lang="it-IT" sz="2200" b="1" noProof="1">
               <a:solidFill>
-                <a:srgbClr val="8CF4F2"/>
+                <a:schemeClr val="tx2"/>
               </a:solidFill>
               <a:effectLst>
                 <a:outerShdw blurRad="38100" dist="38100" dir="2700000" algn="tl">
@@ -9079,7 +9143,7 @@
             <a:r>
               <a:rPr lang="it-IT" sz="2200" b="1" noProof="1">
                 <a:solidFill>
-                  <a:srgbClr val="8CF4F2"/>
+                  <a:schemeClr val="tx2"/>
                 </a:solidFill>
                 <a:effectLst>
                   <a:outerShdw blurRad="38100" dist="38100" dir="2700000" algn="tl">
@@ -9107,7 +9171,7 @@
             <a:r>
               <a:rPr lang="it-IT" sz="2200" b="1" noProof="1">
                 <a:solidFill>
-                  <a:srgbClr val="8CF4F2"/>
+                  <a:schemeClr val="tx2"/>
                 </a:solidFill>
                 <a:effectLst>
                   <a:outerShdw blurRad="38100" dist="38100" dir="2700000" algn="tl">
@@ -9281,7 +9345,7 @@
             <a:r>
               <a:rPr lang="it-IT" sz="2200" b="1" noProof="1">
                 <a:solidFill>
-                  <a:srgbClr val="8CF4F2"/>
+                  <a:schemeClr val="tx2"/>
                 </a:solidFill>
                 <a:effectLst>
                   <a:outerShdw blurRad="38100" dist="38100" dir="2700000" algn="tl">
@@ -9312,7 +9376,7 @@
             <a:r>
               <a:rPr lang="it-IT" sz="2200" b="1" noProof="1">
                 <a:solidFill>
-                  <a:srgbClr val="8CF4F2"/>
+                  <a:schemeClr val="tx2"/>
                 </a:solidFill>
                 <a:effectLst>
                   <a:outerShdw blurRad="38100" dist="38100" dir="2700000" algn="tl">
@@ -9343,7 +9407,7 @@
             <a:r>
               <a:rPr lang="it-IT" sz="2200" b="1" noProof="1">
                 <a:solidFill>
-                  <a:srgbClr val="8CF4F2"/>
+                  <a:schemeClr val="tx2"/>
                 </a:solidFill>
                 <a:effectLst>
                   <a:outerShdw blurRad="38100" dist="38100" dir="2700000" algn="tl">
@@ -9373,7 +9437,7 @@
             </a:pPr>
             <a:endParaRPr lang="it-IT" sz="2200" b="1" noProof="1">
               <a:solidFill>
-                <a:srgbClr val="8CF4F2"/>
+                <a:schemeClr val="tx2"/>
               </a:solidFill>
               <a:effectLst>
                 <a:outerShdw blurRad="38100" dist="38100" dir="2700000" algn="tl">
@@ -9402,7 +9466,7 @@
             <a:r>
               <a:rPr lang="it-IT" sz="2200" b="1" noProof="1">
                 <a:solidFill>
-                  <a:srgbClr val="8CF4F2"/>
+                  <a:schemeClr val="tx2"/>
                 </a:solidFill>
                 <a:effectLst>
                   <a:outerShdw blurRad="38100" dist="38100" dir="2700000" algn="tl">
@@ -9433,7 +9497,7 @@
             <a:r>
               <a:rPr lang="it-IT" sz="2200" b="1" noProof="1">
                 <a:solidFill>
-                  <a:srgbClr val="8CF4F2"/>
+                  <a:schemeClr val="tx2"/>
                 </a:solidFill>
                 <a:effectLst>
                   <a:outerShdw blurRad="38100" dist="38100" dir="2700000" algn="tl">
@@ -9464,7 +9528,7 @@
             <a:r>
               <a:rPr lang="it-IT" sz="2200" b="1" noProof="1">
                 <a:solidFill>
-                  <a:srgbClr val="8CF4F2"/>
+                  <a:schemeClr val="tx2"/>
                 </a:solidFill>
                 <a:effectLst>
                   <a:outerShdw blurRad="38100" dist="38100" dir="2700000" algn="tl">
@@ -9494,7 +9558,7 @@
             </a:pPr>
             <a:endParaRPr lang="it-IT" sz="2200" b="1" noProof="1">
               <a:solidFill>
-                <a:srgbClr val="8CF4F2"/>
+                <a:schemeClr val="tx2"/>
               </a:solidFill>
               <a:effectLst>
                 <a:outerShdw blurRad="38100" dist="38100" dir="2700000" algn="tl">
@@ -9523,7 +9587,7 @@
             <a:r>
               <a:rPr lang="it-IT" sz="2200" b="1" noProof="1">
                 <a:solidFill>
-                  <a:srgbClr val="8CF4F2"/>
+                  <a:schemeClr val="tx2"/>
                 </a:solidFill>
                 <a:effectLst>
                   <a:outerShdw blurRad="38100" dist="38100" dir="2700000" algn="tl">
@@ -9554,7 +9618,7 @@
             <a:r>
               <a:rPr lang="it-IT" sz="2200" b="1" noProof="1">
                 <a:solidFill>
-                  <a:srgbClr val="8CF4F2"/>
+                  <a:schemeClr val="tx2"/>
                 </a:solidFill>
                 <a:effectLst>
                   <a:outerShdw blurRad="38100" dist="38100" dir="2700000" algn="tl">
@@ -9585,7 +9649,7 @@
             <a:r>
               <a:rPr lang="it-IT" sz="2200" b="1" noProof="1">
                 <a:solidFill>
-                  <a:srgbClr val="8CF4F2"/>
+                  <a:schemeClr val="tx2"/>
                 </a:solidFill>
                 <a:effectLst>
                   <a:outerShdw blurRad="38100" dist="38100" dir="2700000" algn="tl">
@@ -9616,7 +9680,7 @@
             <a:r>
               <a:rPr lang="it-IT" sz="2200" b="1" noProof="1">
                 <a:solidFill>
-                  <a:srgbClr val="8CF4F2"/>
+                  <a:schemeClr val="tx2"/>
                 </a:solidFill>
                 <a:effectLst>
                   <a:outerShdw blurRad="38100" dist="38100" dir="2700000" algn="tl">
@@ -9647,7 +9711,7 @@
             <a:r>
               <a:rPr lang="it-IT" sz="2200" b="1" noProof="1">
                 <a:solidFill>
-                  <a:srgbClr val="8CF4F2"/>
+                  <a:schemeClr val="tx2"/>
                 </a:solidFill>
                 <a:effectLst>
                   <a:outerShdw blurRad="38100" dist="38100" dir="2700000" algn="tl">
@@ -10349,7 +10413,7 @@
           <p:nvPr>
             <p:extLst>
               <p:ext uri="{D42A27DB-BD31-4B8C-83A1-F6EECF244321}">
-                <p14:modId xmlns:p14="http://schemas.microsoft.com/office/powerpoint/2010/main" val="3747405392"/>
+                <p14:modId xmlns:p14="http://schemas.microsoft.com/office/powerpoint/2010/main" val="1818789171"/>
               </p:ext>
             </p:extLst>
           </p:nvPr>
@@ -10408,7 +10472,7 @@
                             <a:noFill/>
                           </a:ln>
                           <a:solidFill>
-                            <a:srgbClr val="EBFFD2"/>
+                            <a:schemeClr val="tx2"/>
                           </a:solidFill>
                           <a:effectLst>
                             <a:outerShdw blurRad="38100" dist="38100" dir="2700000" algn="tl">
@@ -11789,7 +11853,7 @@
                             <a:noFill/>
                           </a:ln>
                           <a:solidFill>
-                            <a:srgbClr val="EBFFD2"/>
+                            <a:schemeClr val="tx2"/>
                           </a:solidFill>
                           <a:effectLst>
                             <a:outerShdw blurRad="38100" dist="38100" dir="2700000" algn="tl">
@@ -11811,7 +11875,7 @@
                           <a:noFill/>
                         </a:ln>
                         <a:solidFill>
-                          <a:srgbClr val="EBFFD2"/>
+                          <a:schemeClr val="tx2"/>
                         </a:solidFill>
                         <a:effectLst>
                           <a:outerShdw blurRad="38100" dist="38100" dir="2700000" algn="tl">
@@ -13190,7 +13254,7 @@
                             <a:noFill/>
                           </a:ln>
                           <a:solidFill>
-                            <a:srgbClr val="EBFFD2"/>
+                            <a:schemeClr val="tx2"/>
                           </a:solidFill>
                           <a:effectLst>
                             <a:outerShdw blurRad="38100" dist="38100" dir="2700000" algn="tl">
@@ -13212,7 +13276,7 @@
                           <a:noFill/>
                         </a:ln>
                         <a:solidFill>
-                          <a:srgbClr val="EBFFD2"/>
+                          <a:schemeClr val="tx2"/>
                         </a:solidFill>
                         <a:effectLst>
                           <a:outerShdw blurRad="38100" dist="38100" dir="2700000" algn="tl">
@@ -14591,7 +14655,7 @@
                             <a:noFill/>
                           </a:ln>
                           <a:solidFill>
-                            <a:srgbClr val="EBFFD2"/>
+                            <a:schemeClr val="tx2"/>
                           </a:solidFill>
                           <a:effectLst>
                             <a:outerShdw blurRad="38100" dist="38100" dir="2700000" algn="tl">
@@ -14613,7 +14677,7 @@
                           <a:noFill/>
                         </a:ln>
                         <a:solidFill>
-                          <a:srgbClr val="EBFFD2"/>
+                          <a:schemeClr val="tx2"/>
                         </a:solidFill>
                         <a:effectLst>
                           <a:outerShdw blurRad="38100" dist="38100" dir="2700000" algn="tl">
@@ -16111,7 +16175,7 @@
             <a:r>
               <a:rPr lang="it-IT" sz="2500" b="1" noProof="1">
                 <a:solidFill>
-                  <a:srgbClr val="8CF4F2"/>
+                  <a:schemeClr val="tx2"/>
                 </a:solidFill>
                 <a:effectLst>
                   <a:outerShdw blurRad="38100" dist="38100" dir="2700000" algn="tl">
@@ -16142,7 +16206,7 @@
             <a:r>
               <a:rPr lang="it-IT" sz="2500" b="1" noProof="1">
                 <a:solidFill>
-                  <a:srgbClr val="8CF4F2"/>
+                  <a:schemeClr val="tx2"/>
                 </a:solidFill>
                 <a:effectLst>
                   <a:outerShdw blurRad="38100" dist="38100" dir="2700000" algn="tl">
@@ -16173,7 +16237,7 @@
             <a:r>
               <a:rPr lang="it-IT" sz="2500" b="1" noProof="1">
                 <a:solidFill>
-                  <a:srgbClr val="8CF4F2"/>
+                  <a:schemeClr val="tx2"/>
                 </a:solidFill>
                 <a:effectLst>
                   <a:outerShdw blurRad="38100" dist="38100" dir="2700000" algn="tl">
@@ -16204,7 +16268,7 @@
             <a:r>
               <a:rPr lang="it-IT" sz="2500" b="1" noProof="1">
                 <a:solidFill>
-                  <a:srgbClr val="8CF4F2"/>
+                  <a:schemeClr val="tx2"/>
                 </a:solidFill>
                 <a:effectLst>
                   <a:outerShdw blurRad="38100" dist="38100" dir="2700000" algn="tl">
@@ -16235,7 +16299,7 @@
             <a:r>
               <a:rPr lang="it-IT" sz="2500" b="1" noProof="1">
                 <a:solidFill>
-                  <a:srgbClr val="8CF4F2"/>
+                  <a:schemeClr val="tx2"/>
                 </a:solidFill>
                 <a:effectLst>
                   <a:outerShdw blurRad="38100" dist="38100" dir="2700000" algn="tl">
@@ -16266,7 +16330,7 @@
             <a:r>
               <a:rPr lang="it-IT" sz="2500" b="1" noProof="1">
                 <a:solidFill>
-                  <a:srgbClr val="8CF4F2"/>
+                  <a:schemeClr val="tx2"/>
                 </a:solidFill>
                 <a:effectLst>
                   <a:outerShdw blurRad="38100" dist="38100" dir="2700000" algn="tl">
@@ -16297,7 +16361,7 @@
             <a:r>
               <a:rPr lang="it-IT" sz="2500" b="1" noProof="1">
                 <a:solidFill>
-                  <a:srgbClr val="8CF4F2"/>
+                  <a:schemeClr val="tx2"/>
                 </a:solidFill>
                 <a:effectLst>
                   <a:outerShdw blurRad="38100" dist="38100" dir="2700000" algn="tl">
@@ -16328,7 +16392,7 @@
             <a:r>
               <a:rPr lang="it-IT" sz="2500" b="1" noProof="1">
                 <a:solidFill>
-                  <a:srgbClr val="8CF4F2"/>
+                  <a:schemeClr val="tx2"/>
                 </a:solidFill>
                 <a:effectLst>
                   <a:outerShdw blurRad="38100" dist="38100" dir="2700000" algn="tl">
@@ -16359,7 +16423,7 @@
             <a:r>
               <a:rPr lang="it-IT" sz="2500" b="1" noProof="1">
                 <a:solidFill>
-                  <a:srgbClr val="8CF4F2"/>
+                  <a:schemeClr val="tx2"/>
                 </a:solidFill>
                 <a:effectLst>
                   <a:outerShdw blurRad="38100" dist="38100" dir="2700000" algn="tl">
@@ -16390,7 +16454,7 @@
             <a:r>
               <a:rPr lang="it-IT" sz="2500" b="1" noProof="1">
                 <a:solidFill>
-                  <a:srgbClr val="8CF4F2"/>
+                  <a:schemeClr val="tx2"/>
                 </a:solidFill>
                 <a:effectLst>
                   <a:outerShdw blurRad="38100" dist="38100" dir="2700000" algn="tl">
@@ -16421,7 +16485,7 @@
             <a:r>
               <a:rPr lang="it-IT" sz="2500" b="1" noProof="1">
                 <a:solidFill>
-                  <a:srgbClr val="8CF4F2"/>
+                  <a:schemeClr val="tx2"/>
                 </a:solidFill>
                 <a:effectLst>
                   <a:outerShdw blurRad="38100" dist="38100" dir="2700000" algn="tl">
@@ -16452,7 +16516,7 @@
             <a:r>
               <a:rPr lang="it-IT" sz="2500" b="1" noProof="1">
                 <a:solidFill>
-                  <a:srgbClr val="8CF4F2"/>
+                  <a:schemeClr val="tx2"/>
                 </a:solidFill>
                 <a:effectLst>
                   <a:outerShdw blurRad="38100" dist="38100" dir="2700000" algn="tl">
@@ -17604,7 +17668,7 @@
           <p:nvPr>
             <p:extLst>
               <p:ext uri="{D42A27DB-BD31-4B8C-83A1-F6EECF244321}">
-                <p14:modId xmlns:p14="http://schemas.microsoft.com/office/powerpoint/2010/main" val="2736449160"/>
+                <p14:modId xmlns:p14="http://schemas.microsoft.com/office/powerpoint/2010/main" val="2840866342"/>
               </p:ext>
             </p:extLst>
           </p:nvPr>
@@ -17663,7 +17727,7 @@
                             <a:noFill/>
                           </a:ln>
                           <a:solidFill>
-                            <a:srgbClr val="EBFFD2"/>
+                            <a:schemeClr val="tx2"/>
                           </a:solidFill>
                           <a:effectLst>
                             <a:outerShdw blurRad="38100" dist="38100" dir="2700000" algn="tl">
@@ -19044,7 +19108,7 @@
                             <a:noFill/>
                           </a:ln>
                           <a:solidFill>
-                            <a:srgbClr val="EBFFD2"/>
+                            <a:schemeClr val="tx2"/>
                           </a:solidFill>
                           <a:effectLst>
                             <a:outerShdw blurRad="38100" dist="38100" dir="2700000" algn="tl">
@@ -19066,7 +19130,7 @@
                           <a:noFill/>
                         </a:ln>
                         <a:solidFill>
-                          <a:srgbClr val="EBFFD2"/>
+                          <a:schemeClr val="tx2"/>
                         </a:solidFill>
                         <a:effectLst>
                           <a:outerShdw blurRad="38100" dist="38100" dir="2700000" algn="tl">
@@ -20445,7 +20509,7 @@
                             <a:noFill/>
                           </a:ln>
                           <a:solidFill>
-                            <a:srgbClr val="EBFFD2"/>
+                            <a:schemeClr val="tx2"/>
                           </a:solidFill>
                           <a:effectLst>
                             <a:outerShdw blurRad="38100" dist="38100" dir="2700000" algn="tl">
@@ -20467,7 +20531,7 @@
                           <a:noFill/>
                         </a:ln>
                         <a:solidFill>
-                          <a:srgbClr val="EBFFD2"/>
+                          <a:schemeClr val="tx2"/>
                         </a:solidFill>
                         <a:effectLst>
                           <a:outerShdw blurRad="38100" dist="38100" dir="2700000" algn="tl">
@@ -21846,7 +21910,7 @@
                             <a:noFill/>
                           </a:ln>
                           <a:solidFill>
-                            <a:srgbClr val="EBFFD2"/>
+                            <a:schemeClr val="tx2"/>
                           </a:solidFill>
                           <a:effectLst>
                             <a:outerShdw blurRad="38100" dist="38100" dir="2700000" algn="tl">
@@ -21868,7 +21932,7 @@
                           <a:noFill/>
                         </a:ln>
                         <a:solidFill>
-                          <a:srgbClr val="EBFFD2"/>
+                          <a:schemeClr val="tx2"/>
                         </a:solidFill>
                         <a:effectLst>
                           <a:outerShdw blurRad="38100" dist="38100" dir="2700000" algn="tl">
@@ -23505,7 +23569,7 @@
             <a:r>
               <a:rPr lang="it-IT" sz="2300" b="1" noProof="1">
                 <a:solidFill>
-                  <a:srgbClr val="8CF4F2"/>
+                  <a:schemeClr val="tx2"/>
                 </a:solidFill>
                 <a:effectLst>
                   <a:outerShdw blurRad="38100" dist="38100" dir="2700000" algn="tl">
@@ -23536,7 +23600,7 @@
             <a:r>
               <a:rPr lang="it-IT" sz="2300" b="1" noProof="1">
                 <a:solidFill>
-                  <a:srgbClr val="8CF4F2"/>
+                  <a:schemeClr val="tx2"/>
                 </a:solidFill>
                 <a:effectLst>
                   <a:outerShdw blurRad="38100" dist="38100" dir="2700000" algn="tl">
@@ -23567,7 +23631,7 @@
             <a:r>
               <a:rPr lang="it-IT" sz="2300" b="1" noProof="1">
                 <a:solidFill>
-                  <a:srgbClr val="8CF4F2"/>
+                  <a:schemeClr val="tx2"/>
                 </a:solidFill>
                 <a:effectLst>
                   <a:outerShdw blurRad="38100" dist="38100" dir="2700000" algn="tl">
@@ -23598,7 +23662,7 @@
             <a:r>
               <a:rPr lang="it-IT" sz="2300" b="1" noProof="1">
                 <a:solidFill>
-                  <a:srgbClr val="8CF4F2"/>
+                  <a:schemeClr val="tx2"/>
                 </a:solidFill>
                 <a:effectLst>
                   <a:outerShdw blurRad="38100" dist="38100" dir="2700000" algn="tl">
@@ -23629,7 +23693,7 @@
             <a:r>
               <a:rPr lang="it-IT" sz="2300" b="1" noProof="1">
                 <a:solidFill>
-                  <a:srgbClr val="8CF4F2"/>
+                  <a:schemeClr val="tx2"/>
                 </a:solidFill>
                 <a:effectLst>
                   <a:outerShdw blurRad="38100" dist="38100" dir="2700000" algn="tl">
@@ -23660,7 +23724,7 @@
             <a:r>
               <a:rPr lang="it-IT" sz="2300" b="1" noProof="1">
                 <a:solidFill>
-                  <a:srgbClr val="8CF4F2"/>
+                  <a:schemeClr val="tx2"/>
                 </a:solidFill>
                 <a:effectLst>
                   <a:outerShdw blurRad="38100" dist="38100" dir="2700000" algn="tl">
@@ -23691,7 +23755,7 @@
             <a:r>
               <a:rPr lang="it-IT" sz="2300" b="1" noProof="1">
                 <a:solidFill>
-                  <a:srgbClr val="8CF4F2"/>
+                  <a:schemeClr val="tx2"/>
                 </a:solidFill>
                 <a:effectLst>
                   <a:outerShdw blurRad="38100" dist="38100" dir="2700000" algn="tl">
@@ -23722,7 +23786,7 @@
             <a:r>
               <a:rPr lang="it-IT" sz="2300" b="1" noProof="1">
                 <a:solidFill>
-                  <a:srgbClr val="8CF4F2"/>
+                  <a:schemeClr val="tx2"/>
                 </a:solidFill>
                 <a:effectLst>
                   <a:outerShdw blurRad="38100" dist="38100" dir="2700000" algn="tl">
@@ -24023,7 +24087,7 @@
             <a:r>
               <a:rPr lang="it-IT" sz="2200" b="1" noProof="1">
                 <a:solidFill>
-                  <a:srgbClr val="8CF4F2"/>
+                  <a:schemeClr val="tx2"/>
                 </a:solidFill>
                 <a:effectLst>
                   <a:outerShdw blurRad="38100" dist="38100" dir="2700000" algn="tl">
@@ -24054,7 +24118,7 @@
             <a:r>
               <a:rPr lang="it-IT" sz="2200" b="1" noProof="1">
                 <a:solidFill>
-                  <a:srgbClr val="8CF4F2"/>
+                  <a:schemeClr val="tx2"/>
                 </a:solidFill>
                 <a:effectLst>
                   <a:outerShdw blurRad="38100" dist="38100" dir="2700000" algn="tl">
@@ -24071,7 +24135,7 @@
             <a:r>
               <a:rPr lang="it-IT" sz="2200" b="1" noProof="1" smtClean="0">
                 <a:solidFill>
-                  <a:srgbClr val="8CF4F2"/>
+                  <a:schemeClr val="tx2"/>
                 </a:solidFill>
                 <a:effectLst>
                   <a:outerShdw blurRad="38100" dist="38100" dir="2700000" algn="tl">
@@ -24088,7 +24152,7 @@
             <a:r>
               <a:rPr lang="it-IT" sz="2200" b="1" noProof="1">
                 <a:solidFill>
-                  <a:srgbClr val="8CF4F2"/>
+                  <a:schemeClr val="tx2"/>
                 </a:solidFill>
                 <a:effectLst>
                   <a:outerShdw blurRad="38100" dist="38100" dir="2700000" algn="tl">
@@ -24105,7 +24169,9 @@
             <a:r>
               <a:rPr lang="it-IT" sz="2200" b="1" noProof="1">
                 <a:solidFill>
-                  <a:srgbClr val="FFFF00"/>
+                  <a:schemeClr val="tx2">
+                    <a:lumMod val="75000"/>
+                  </a:schemeClr>
                 </a:solidFill>
                 <a:effectLst>
                   <a:outerShdw blurRad="38100" dist="38100" dir="2700000" algn="tl">
@@ -24122,7 +24188,7 @@
             <a:r>
               <a:rPr lang="it-IT" sz="2200" b="1" noProof="1">
                 <a:solidFill>
-                  <a:srgbClr val="8CF4F2"/>
+                  <a:schemeClr val="tx2"/>
                 </a:solidFill>
                 <a:effectLst>
                   <a:outerShdw blurRad="38100" dist="38100" dir="2700000" algn="tl">
@@ -24153,7 +24219,7 @@
             <a:r>
               <a:rPr lang="it-IT" sz="2200" b="1" noProof="1">
                 <a:solidFill>
-                  <a:srgbClr val="8CF4F2"/>
+                  <a:schemeClr val="tx2"/>
                 </a:solidFill>
                 <a:effectLst>
                   <a:outerShdw blurRad="38100" dist="38100" dir="2700000" algn="tl">
@@ -24170,7 +24236,7 @@
             <a:r>
               <a:rPr lang="it-IT" sz="2200" b="1" noProof="1" smtClean="0">
                 <a:solidFill>
-                  <a:srgbClr val="8CF4F2"/>
+                  <a:schemeClr val="tx2"/>
                 </a:solidFill>
                 <a:effectLst>
                   <a:outerShdw blurRad="38100" dist="38100" dir="2700000" algn="tl">
@@ -24187,7 +24253,7 @@
             <a:r>
               <a:rPr lang="it-IT" sz="2200" b="1" noProof="1">
                 <a:solidFill>
-                  <a:srgbClr val="8CF4F2"/>
+                  <a:schemeClr val="tx2"/>
                 </a:solidFill>
                 <a:effectLst>
                   <a:outerShdw blurRad="38100" dist="38100" dir="2700000" algn="tl">
@@ -24204,7 +24270,7 @@
             <a:r>
               <a:rPr lang="it-IT" sz="2200" b="1" noProof="1" smtClean="0">
                 <a:solidFill>
-                  <a:srgbClr val="8CF4F2"/>
+                  <a:schemeClr val="tx2"/>
                 </a:solidFill>
                 <a:effectLst>
                   <a:outerShdw blurRad="38100" dist="38100" dir="2700000" algn="tl">
@@ -24221,7 +24287,9 @@
             <a:r>
               <a:rPr lang="it-IT" sz="2200" b="1" noProof="1" smtClean="0">
                 <a:solidFill>
-                  <a:srgbClr val="FFFF00"/>
+                  <a:schemeClr val="tx2">
+                    <a:lumMod val="75000"/>
+                  </a:schemeClr>
                 </a:solidFill>
                 <a:effectLst>
                   <a:outerShdw blurRad="38100" dist="38100" dir="2700000" algn="tl">
@@ -24237,7 +24305,9 @@
             </a:r>
             <a:endParaRPr lang="it-IT" sz="2200" b="1" noProof="1">
               <a:solidFill>
-                <a:srgbClr val="8CF4F2"/>
+                <a:schemeClr val="tx2">
+                  <a:lumMod val="75000"/>
+                </a:schemeClr>
               </a:solidFill>
               <a:effectLst>
                 <a:outerShdw blurRad="38100" dist="38100" dir="2700000" algn="tl">
@@ -24266,7 +24336,7 @@
             <a:r>
               <a:rPr lang="it-IT" sz="2200" b="1" noProof="1" smtClean="0">
                 <a:solidFill>
-                  <a:srgbClr val="8CF4F2"/>
+                  <a:schemeClr val="tx2"/>
                 </a:solidFill>
                 <a:effectLst>
                   <a:outerShdw blurRad="38100" dist="38100" dir="2700000" algn="tl">
@@ -24283,7 +24353,7 @@
             <a:r>
               <a:rPr lang="it-IT" sz="2200" b="1" noProof="1">
                 <a:solidFill>
-                  <a:srgbClr val="8CF4F2"/>
+                  <a:schemeClr val="tx2"/>
                 </a:solidFill>
                 <a:effectLst>
                   <a:outerShdw blurRad="38100" dist="38100" dir="2700000" algn="tl">
@@ -24300,7 +24370,7 @@
             <a:r>
               <a:rPr lang="it-IT" sz="2200" b="1" noProof="1" smtClean="0">
                 <a:solidFill>
-                  <a:srgbClr val="8CF4F2"/>
+                  <a:schemeClr val="tx2"/>
                 </a:solidFill>
                 <a:effectLst>
                   <a:outerShdw blurRad="38100" dist="38100" dir="2700000" algn="tl">
@@ -24317,7 +24387,7 @@
             <a:r>
               <a:rPr lang="it-IT" sz="2200" b="1" noProof="1">
                 <a:solidFill>
-                  <a:srgbClr val="8CF4F2"/>
+                  <a:schemeClr val="tx2"/>
                 </a:solidFill>
                 <a:effectLst>
                   <a:outerShdw blurRad="38100" dist="38100" dir="2700000" algn="tl">
@@ -24334,7 +24404,7 @@
             <a:r>
               <a:rPr lang="it-IT" sz="2200" b="1" noProof="1" smtClean="0">
                 <a:solidFill>
-                  <a:srgbClr val="8CF4F2"/>
+                  <a:schemeClr val="tx2"/>
                 </a:solidFill>
                 <a:effectLst>
                   <a:outerShdw blurRad="38100" dist="38100" dir="2700000" algn="tl">
@@ -24351,7 +24421,9 @@
             <a:r>
               <a:rPr lang="it-IT" sz="2200" b="1" noProof="1">
                 <a:solidFill>
-                  <a:srgbClr val="FFFF00"/>
+                  <a:schemeClr val="tx2">
+                    <a:lumMod val="75000"/>
+                  </a:schemeClr>
                 </a:solidFill>
                 <a:effectLst>
                   <a:outerShdw blurRad="38100" dist="38100" dir="2700000" algn="tl">
@@ -24365,20 +24437,6 @@
               </a:rPr>
               <a:t>1</a:t>
             </a:r>
-            <a:endParaRPr lang="it-IT" sz="2200" b="1" noProof="1">
-              <a:solidFill>
-                <a:srgbClr val="8CF4F2"/>
-              </a:solidFill>
-              <a:effectLst>
-                <a:outerShdw blurRad="38100" dist="38100" dir="2700000" algn="tl">
-                  <a:srgbClr val="000000">
-                    <a:alpha val="43137"/>
-                  </a:srgbClr>
-                </a:outerShdw>
-              </a:effectLst>
-              <a:latin typeface="Consolas" pitchFamily="49" charset="0"/>
-              <a:cs typeface="Consolas" pitchFamily="49" charset="0"/>
-            </a:endParaRPr>
           </a:p>
           <a:p>
             <a:pPr eaLnBrk="0" hangingPunct="0">
@@ -24396,7 +24454,7 @@
             <a:r>
               <a:rPr lang="it-IT" sz="2200" b="1" noProof="1">
                 <a:solidFill>
-                  <a:srgbClr val="8CF4F2"/>
+                  <a:schemeClr val="tx2"/>
                 </a:solidFill>
                 <a:effectLst>
                   <a:outerShdw blurRad="38100" dist="38100" dir="2700000" algn="tl">
@@ -24413,7 +24471,7 @@
             <a:r>
               <a:rPr lang="it-IT" sz="2200" b="1" noProof="1" smtClean="0">
                 <a:solidFill>
-                  <a:srgbClr val="8CF4F2"/>
+                  <a:schemeClr val="tx2"/>
                 </a:solidFill>
                 <a:effectLst>
                   <a:outerShdw blurRad="38100" dist="38100" dir="2700000" algn="tl">
@@ -24430,7 +24488,7 @@
             <a:r>
               <a:rPr lang="it-IT" sz="2200" b="1" noProof="1">
                 <a:solidFill>
-                  <a:srgbClr val="8CF4F2"/>
+                  <a:schemeClr val="tx2"/>
                 </a:solidFill>
                 <a:effectLst>
                   <a:outerShdw blurRad="38100" dist="38100" dir="2700000" algn="tl">
@@ -24500,7 +24558,7 @@
             <a:r>
               <a:rPr lang="it-IT" sz="2200" b="1" noProof="1">
                 <a:solidFill>
-                  <a:srgbClr val="8CF4F2"/>
+                  <a:schemeClr val="tx2"/>
                 </a:solidFill>
                 <a:effectLst>
                   <a:outerShdw blurRad="38100" dist="38100" dir="2700000" algn="tl">
@@ -24531,7 +24589,7 @@
             <a:r>
               <a:rPr lang="it-IT" sz="2200" b="1" noProof="1">
                 <a:solidFill>
-                  <a:srgbClr val="8CF4F2"/>
+                  <a:schemeClr val="tx2"/>
                 </a:solidFill>
                 <a:effectLst>
                   <a:outerShdw blurRad="38100" dist="38100" dir="2700000" algn="tl">
@@ -24548,7 +24606,7 @@
             <a:r>
               <a:rPr lang="it-IT" sz="2200" b="1" noProof="1" smtClean="0">
                 <a:solidFill>
-                  <a:srgbClr val="8CF4F2"/>
+                  <a:schemeClr val="tx2"/>
                 </a:solidFill>
                 <a:effectLst>
                   <a:outerShdw blurRad="38100" dist="38100" dir="2700000" algn="tl">
@@ -24565,7 +24623,7 @@
             <a:r>
               <a:rPr lang="it-IT" sz="2200" b="1" noProof="1">
                 <a:solidFill>
-                  <a:srgbClr val="8CF4F2"/>
+                  <a:schemeClr val="tx2"/>
                 </a:solidFill>
                 <a:effectLst>
                   <a:outerShdw blurRad="38100" dist="38100" dir="2700000" algn="tl">
@@ -24582,7 +24640,9 @@
             <a:r>
               <a:rPr lang="it-IT" sz="2200" b="1" noProof="1">
                 <a:solidFill>
-                  <a:srgbClr val="FFFF00"/>
+                  <a:schemeClr val="tx2">
+                    <a:lumMod val="75000"/>
+                  </a:schemeClr>
                 </a:solidFill>
                 <a:effectLst>
                   <a:outerShdw blurRad="38100" dist="38100" dir="2700000" algn="tl">
@@ -24599,7 +24659,7 @@
             <a:r>
               <a:rPr lang="it-IT" sz="2200" b="1" noProof="1">
                 <a:solidFill>
-                  <a:srgbClr val="8CF4F2"/>
+                  <a:schemeClr val="tx2"/>
                 </a:solidFill>
                 <a:effectLst>
                   <a:outerShdw blurRad="38100" dist="38100" dir="2700000" algn="tl">
@@ -24630,7 +24690,7 @@
             <a:r>
               <a:rPr lang="it-IT" sz="2200" b="1" noProof="1">
                 <a:solidFill>
-                  <a:srgbClr val="8CF4F2"/>
+                  <a:schemeClr val="tx2"/>
                 </a:solidFill>
                 <a:effectLst>
                   <a:outerShdw blurRad="38100" dist="38100" dir="2700000" algn="tl">
@@ -24647,7 +24707,7 @@
             <a:r>
               <a:rPr lang="it-IT" sz="2200" b="1" noProof="1" smtClean="0">
                 <a:solidFill>
-                  <a:srgbClr val="8CF4F2"/>
+                  <a:schemeClr val="tx2"/>
                 </a:solidFill>
                 <a:effectLst>
                   <a:outerShdw blurRad="38100" dist="38100" dir="2700000" algn="tl">
@@ -24664,7 +24724,7 @@
             <a:r>
               <a:rPr lang="it-IT" sz="2200" b="1" noProof="1">
                 <a:solidFill>
-                  <a:srgbClr val="8CF4F2"/>
+                  <a:schemeClr val="tx2"/>
                 </a:solidFill>
                 <a:effectLst>
                   <a:outerShdw blurRad="38100" dist="38100" dir="2700000" algn="tl">
@@ -24681,7 +24741,9 @@
             <a:r>
               <a:rPr lang="it-IT" sz="2200" b="1" noProof="1">
                 <a:solidFill>
-                  <a:srgbClr val="FFFF00"/>
+                  <a:schemeClr val="tx2">
+                    <a:lumMod val="75000"/>
+                  </a:schemeClr>
                 </a:solidFill>
                 <a:effectLst>
                   <a:outerShdw blurRad="38100" dist="38100" dir="2700000" algn="tl">
@@ -24698,7 +24760,7 @@
             <a:r>
               <a:rPr lang="it-IT" sz="2200" b="1" noProof="1">
                 <a:solidFill>
-                  <a:srgbClr val="8CF4F2"/>
+                  <a:schemeClr val="tx2"/>
                 </a:solidFill>
                 <a:effectLst>
                   <a:outerShdw blurRad="38100" dist="38100" dir="2700000" algn="tl">
@@ -24729,7 +24791,7 @@
             <a:r>
               <a:rPr lang="it-IT" sz="2200" b="1" noProof="1">
                 <a:solidFill>
-                  <a:srgbClr val="8CF4F2"/>
+                  <a:schemeClr val="tx2"/>
                 </a:solidFill>
                 <a:effectLst>
                   <a:outerShdw blurRad="38100" dist="38100" dir="2700000" algn="tl">
@@ -24746,7 +24808,7 @@
             <a:r>
               <a:rPr lang="it-IT" sz="2200" b="1" noProof="1" smtClean="0">
                 <a:solidFill>
-                  <a:srgbClr val="8CF4F2"/>
+                  <a:schemeClr val="tx2"/>
                 </a:solidFill>
                 <a:effectLst>
                   <a:outerShdw blurRad="38100" dist="38100" dir="2700000" algn="tl">
@@ -24763,7 +24825,7 @@
             <a:r>
               <a:rPr lang="it-IT" sz="2200" b="1" noProof="1">
                 <a:solidFill>
-                  <a:srgbClr val="8CF4F2"/>
+                  <a:schemeClr val="tx2"/>
                 </a:solidFill>
                 <a:effectLst>
                   <a:outerShdw blurRad="38100" dist="38100" dir="2700000" algn="tl">
@@ -24780,7 +24842,9 @@
             <a:r>
               <a:rPr lang="it-IT" sz="2200" b="1" noProof="1">
                 <a:solidFill>
-                  <a:srgbClr val="FFFF00"/>
+                  <a:schemeClr val="tx2">
+                    <a:lumMod val="75000"/>
+                  </a:schemeClr>
                 </a:solidFill>
                 <a:effectLst>
                   <a:outerShdw blurRad="38100" dist="38100" dir="2700000" algn="tl">
@@ -24797,7 +24861,7 @@
             <a:r>
               <a:rPr lang="it-IT" sz="2200" b="1" noProof="1">
                 <a:solidFill>
-                  <a:srgbClr val="8CF4F2"/>
+                  <a:schemeClr val="tx2"/>
                 </a:solidFill>
                 <a:effectLst>
                   <a:outerShdw blurRad="38100" dist="38100" dir="2700000" algn="tl">
@@ -24828,7 +24892,7 @@
             <a:r>
               <a:rPr lang="it-IT" sz="2200" b="1" noProof="1">
                 <a:solidFill>
-                  <a:srgbClr val="8CF4F2"/>
+                  <a:schemeClr val="tx2"/>
                 </a:solidFill>
                 <a:effectLst>
                   <a:outerShdw blurRad="38100" dist="38100" dir="2700000" algn="tl">
@@ -24845,7 +24909,7 @@
             <a:r>
               <a:rPr lang="it-IT" sz="2200" b="1" noProof="1" smtClean="0">
                 <a:solidFill>
-                  <a:srgbClr val="8CF4F2"/>
+                  <a:schemeClr val="tx2"/>
                 </a:solidFill>
                 <a:effectLst>
                   <a:outerShdw blurRad="38100" dist="38100" dir="2700000" algn="tl">
@@ -24861,7 +24925,7 @@
             </a:r>
             <a:endParaRPr lang="it-IT" sz="2200" b="1" noProof="1">
               <a:solidFill>
-                <a:srgbClr val="8CF4F2"/>
+                <a:schemeClr val="tx2"/>
               </a:solidFill>
               <a:effectLst>
                 <a:outerShdw blurRad="38100" dist="38100" dir="2700000" algn="tl">
@@ -25212,7 +25276,7 @@
             <a:r>
               <a:rPr lang="it-IT" b="1" noProof="1">
                 <a:solidFill>
-                  <a:srgbClr val="8CF4F2"/>
+                  <a:schemeClr val="tx2"/>
                 </a:solidFill>
                 <a:effectLst>
                   <a:outerShdw blurRad="38100" dist="38100" dir="2700000" algn="tl">
@@ -25243,7 +25307,7 @@
             <a:r>
               <a:rPr lang="it-IT" b="1" noProof="1">
                 <a:solidFill>
-                  <a:srgbClr val="8CF4F2"/>
+                  <a:schemeClr val="tx2"/>
                 </a:solidFill>
                 <a:effectLst>
                   <a:outerShdw blurRad="38100" dist="38100" dir="2700000" algn="tl">
@@ -25260,7 +25324,7 @@
             <a:r>
               <a:rPr lang="it-IT" b="1" noProof="1" smtClean="0">
                 <a:solidFill>
-                  <a:srgbClr val="8CF4F2"/>
+                  <a:schemeClr val="tx2"/>
                 </a:solidFill>
                 <a:effectLst>
                   <a:outerShdw blurRad="38100" dist="38100" dir="2700000" algn="tl">
@@ -25277,7 +25341,7 @@
             <a:r>
               <a:rPr lang="it-IT" b="1" noProof="1">
                 <a:solidFill>
-                  <a:srgbClr val="8CF4F2"/>
+                  <a:schemeClr val="tx2"/>
                 </a:solidFill>
                 <a:effectLst>
                   <a:outerShdw blurRad="38100" dist="38100" dir="2700000" algn="tl">
@@ -25294,7 +25358,7 @@
             <a:r>
               <a:rPr lang="it-IT" b="1" noProof="1" smtClean="0">
                 <a:solidFill>
-                  <a:srgbClr val="8CF4F2"/>
+                  <a:schemeClr val="tx2"/>
                 </a:solidFill>
                 <a:effectLst>
                   <a:outerShdw blurRad="38100" dist="38100" dir="2700000" algn="tl">
@@ -25311,7 +25375,7 @@
             <a:r>
               <a:rPr lang="it-IT" b="1" noProof="1">
                 <a:solidFill>
-                  <a:srgbClr val="8CF4F2"/>
+                  <a:schemeClr val="tx2"/>
                 </a:solidFill>
                 <a:effectLst>
                   <a:outerShdw blurRad="38100" dist="38100" dir="2700000" algn="tl">
@@ -25328,7 +25392,9 @@
             <a:r>
               <a:rPr lang="it-IT" b="1" noProof="1">
                 <a:solidFill>
-                  <a:srgbClr val="FFFF00"/>
+                  <a:schemeClr val="tx2">
+                    <a:lumMod val="75000"/>
+                  </a:schemeClr>
                 </a:solidFill>
                 <a:effectLst>
                   <a:outerShdw blurRad="38100" dist="38100" dir="2700000" algn="tl">
@@ -25345,7 +25411,7 @@
             <a:r>
               <a:rPr lang="it-IT" b="1" noProof="1">
                 <a:solidFill>
-                  <a:srgbClr val="8CF4F2"/>
+                  <a:schemeClr val="tx2"/>
                 </a:solidFill>
                 <a:effectLst>
                   <a:outerShdw blurRad="38100" dist="38100" dir="2700000" algn="tl">
@@ -25376,7 +25442,7 @@
             <a:r>
               <a:rPr lang="it-IT" b="1" noProof="1">
                 <a:solidFill>
-                  <a:srgbClr val="8CF4F2"/>
+                  <a:schemeClr val="tx2"/>
                 </a:solidFill>
                 <a:effectLst>
                   <a:outerShdw blurRad="38100" dist="38100" dir="2700000" algn="tl">
@@ -25393,7 +25459,9 @@
             <a:r>
               <a:rPr lang="it-IT" b="1" noProof="1">
                 <a:solidFill>
-                  <a:srgbClr val="FFFF00"/>
+                  <a:schemeClr val="tx2">
+                    <a:lumMod val="75000"/>
+                  </a:schemeClr>
                 </a:solidFill>
                 <a:effectLst>
                   <a:outerShdw blurRad="38100" dist="38100" dir="2700000" algn="tl">
@@ -25410,7 +25478,7 @@
             <a:r>
               <a:rPr lang="it-IT" b="1" noProof="1">
                 <a:solidFill>
-                  <a:srgbClr val="8CF4F2"/>
+                  <a:schemeClr val="tx2"/>
                 </a:solidFill>
                 <a:effectLst>
                   <a:outerShdw blurRad="38100" dist="38100" dir="2700000" algn="tl">
@@ -25441,7 +25509,7 @@
             <a:r>
               <a:rPr lang="it-IT" b="1" noProof="1">
                 <a:solidFill>
-                  <a:srgbClr val="8CF4F2"/>
+                  <a:schemeClr val="tx2"/>
                 </a:solidFill>
                 <a:effectLst>
                   <a:outerShdw blurRad="38100" dist="38100" dir="2700000" algn="tl">
@@ -25458,7 +25526,7 @@
             <a:r>
               <a:rPr lang="it-IT" b="1" noProof="1" smtClean="0">
                 <a:solidFill>
-                  <a:srgbClr val="8CF4F2"/>
+                  <a:schemeClr val="tx2"/>
                 </a:solidFill>
                 <a:effectLst>
                   <a:outerShdw blurRad="38100" dist="38100" dir="2700000" algn="tl">
@@ -25475,7 +25543,7 @@
             <a:r>
               <a:rPr lang="it-IT" b="1" noProof="1">
                 <a:solidFill>
-                  <a:srgbClr val="8CF4F2"/>
+                  <a:schemeClr val="tx2"/>
                 </a:solidFill>
                 <a:effectLst>
                   <a:outerShdw blurRad="38100" dist="38100" dir="2700000" algn="tl">
@@ -25492,7 +25560,9 @@
             <a:r>
               <a:rPr lang="it-IT" b="1" noProof="1">
                 <a:solidFill>
-                  <a:srgbClr val="FFFF00"/>
+                  <a:schemeClr val="tx2">
+                    <a:lumMod val="75000"/>
+                  </a:schemeClr>
                 </a:solidFill>
                 <a:effectLst>
                   <a:outerShdw blurRad="38100" dist="38100" dir="2700000" algn="tl">
@@ -25509,7 +25579,7 @@
             <a:r>
               <a:rPr lang="it-IT" b="1" noProof="1">
                 <a:solidFill>
-                  <a:srgbClr val="8CF4F2"/>
+                  <a:schemeClr val="tx2"/>
                 </a:solidFill>
                 <a:effectLst>
                   <a:outerShdw blurRad="38100" dist="38100" dir="2700000" algn="tl">
@@ -25540,7 +25610,7 @@
             <a:r>
               <a:rPr lang="it-IT" b="1" noProof="1">
                 <a:solidFill>
-                  <a:srgbClr val="8CF4F2"/>
+                  <a:schemeClr val="tx2"/>
                 </a:solidFill>
                 <a:effectLst>
                   <a:outerShdw blurRad="38100" dist="38100" dir="2700000" algn="tl">
@@ -25557,7 +25627,7 @@
             <a:r>
               <a:rPr lang="it-IT" b="1" noProof="1" smtClean="0">
                 <a:solidFill>
-                  <a:srgbClr val="8CF4F2"/>
+                  <a:schemeClr val="tx2"/>
                 </a:solidFill>
                 <a:effectLst>
                   <a:outerShdw blurRad="38100" dist="38100" dir="2700000" algn="tl">
@@ -25573,7 +25643,7 @@
             </a:r>
             <a:endParaRPr lang="it-IT" b="1" noProof="1">
               <a:solidFill>
-                <a:srgbClr val="8CF4F2"/>
+                <a:schemeClr val="tx2"/>
               </a:solidFill>
               <a:effectLst>
                 <a:outerShdw blurRad="38100" dist="38100" dir="2700000" algn="tl">
@@ -25641,7 +25711,7 @@
             <a:r>
               <a:rPr lang="it-IT" b="1" noProof="1">
                 <a:solidFill>
-                  <a:srgbClr val="8CF4F2"/>
+                  <a:schemeClr val="tx2"/>
                 </a:solidFill>
                 <a:effectLst>
                   <a:outerShdw blurRad="38100" dist="38100" dir="2700000" algn="tl">
@@ -25672,7 +25742,7 @@
             <a:r>
               <a:rPr lang="it-IT" b="1" noProof="1">
                 <a:solidFill>
-                  <a:srgbClr val="8CF4F2"/>
+                  <a:schemeClr val="tx2"/>
                 </a:solidFill>
                 <a:effectLst>
                   <a:outerShdw blurRad="38100" dist="38100" dir="2700000" algn="tl">
@@ -25689,7 +25759,7 @@
             <a:r>
               <a:rPr lang="it-IT" b="1" noProof="1" smtClean="0">
                 <a:solidFill>
-                  <a:srgbClr val="8CF4F2"/>
+                  <a:schemeClr val="tx2"/>
                 </a:solidFill>
                 <a:effectLst>
                   <a:outerShdw blurRad="38100" dist="38100" dir="2700000" algn="tl">
@@ -25706,7 +25776,7 @@
             <a:r>
               <a:rPr lang="it-IT" b="1" noProof="1">
                 <a:solidFill>
-                  <a:srgbClr val="8CF4F2"/>
+                  <a:schemeClr val="tx2"/>
                 </a:solidFill>
                 <a:effectLst>
                   <a:outerShdw blurRad="38100" dist="38100" dir="2700000" algn="tl">
@@ -25723,7 +25793,7 @@
             <a:r>
               <a:rPr lang="it-IT" b="1" noProof="1" smtClean="0">
                 <a:solidFill>
-                  <a:srgbClr val="8CF4F2"/>
+                  <a:schemeClr val="tx2"/>
                 </a:solidFill>
                 <a:effectLst>
                   <a:outerShdw blurRad="38100" dist="38100" dir="2700000" algn="tl">
@@ -25740,7 +25810,7 @@
             <a:r>
               <a:rPr lang="it-IT" b="1" noProof="1">
                 <a:solidFill>
-                  <a:srgbClr val="8CF4F2"/>
+                  <a:schemeClr val="tx2"/>
                 </a:solidFill>
                 <a:effectLst>
                   <a:outerShdw blurRad="38100" dist="38100" dir="2700000" algn="tl">
@@ -25771,7 +25841,7 @@
             <a:r>
               <a:rPr lang="it-IT" b="1" noProof="1">
                 <a:solidFill>
-                  <a:srgbClr val="8CF4F2"/>
+                  <a:schemeClr val="tx2"/>
                 </a:solidFill>
                 <a:effectLst>
                   <a:outerShdw blurRad="38100" dist="38100" dir="2700000" algn="tl">
@@ -26451,7 +26521,7 @@
             <a:r>
               <a:rPr lang="en-US" b="1" noProof="1">
                 <a:solidFill>
-                  <a:srgbClr val="8CF4F2"/>
+                  <a:schemeClr val="tx2"/>
                 </a:solidFill>
                 <a:effectLst>
                   <a:outerShdw blurRad="38100" dist="38100" dir="2700000" algn="tl">
@@ -26479,7 +26549,7 @@
             <a:r>
               <a:rPr lang="en-US" b="1" noProof="1">
                 <a:solidFill>
-                  <a:srgbClr val="8CF4F2"/>
+                  <a:schemeClr val="tx2"/>
                 </a:solidFill>
                 <a:effectLst>
                   <a:outerShdw blurRad="38100" dist="38100" dir="2700000" algn="tl">
@@ -26507,7 +26577,7 @@
             <a:r>
               <a:rPr lang="en-US" b="1" noProof="1">
                 <a:solidFill>
-                  <a:srgbClr val="8CF4F2"/>
+                  <a:schemeClr val="tx2"/>
                 </a:solidFill>
                 <a:effectLst>
                   <a:outerShdw blurRad="38100" dist="38100" dir="2700000" algn="tl">
@@ -26535,7 +26605,7 @@
             <a:r>
               <a:rPr lang="en-US" b="1" noProof="1">
                 <a:solidFill>
-                  <a:srgbClr val="8CF4F2"/>
+                  <a:schemeClr val="tx2"/>
                 </a:solidFill>
                 <a:effectLst>
                   <a:outerShdw blurRad="38100" dist="38100" dir="2700000" algn="tl">
@@ -26563,7 +26633,7 @@
             <a:r>
               <a:rPr lang="en-US" b="1" noProof="1">
                 <a:solidFill>
-                  <a:srgbClr val="8CF4F2"/>
+                  <a:schemeClr val="tx2"/>
                 </a:solidFill>
                 <a:effectLst>
                   <a:outerShdw blurRad="38100" dist="38100" dir="2700000" algn="tl">
@@ -26591,7 +26661,7 @@
             <a:r>
               <a:rPr lang="en-US" b="1" noProof="1">
                 <a:solidFill>
-                  <a:srgbClr val="8CF4F2"/>
+                  <a:schemeClr val="tx2"/>
                 </a:solidFill>
                 <a:effectLst>
                   <a:outerShdw blurRad="38100" dist="38100" dir="2700000" algn="tl">
@@ -26619,7 +26689,7 @@
             <a:r>
               <a:rPr lang="en-US" b="1" noProof="1">
                 <a:solidFill>
-                  <a:srgbClr val="8CF4F2"/>
+                  <a:schemeClr val="tx2"/>
                 </a:solidFill>
                 <a:effectLst>
                   <a:outerShdw blurRad="38100" dist="38100" dir="2700000" algn="tl">
@@ -26647,7 +26717,7 @@
             <a:r>
               <a:rPr lang="en-US" b="1" noProof="1">
                 <a:solidFill>
-                  <a:srgbClr val="8CF4F2"/>
+                  <a:schemeClr val="tx2"/>
                 </a:solidFill>
                 <a:effectLst>
                   <a:outerShdw blurRad="38100" dist="38100" dir="2700000" algn="tl">
@@ -26986,7 +27056,7 @@
             <a:r>
               <a:rPr lang="en-US" b="1" noProof="1">
                 <a:solidFill>
-                  <a:srgbClr val="8CF4F2"/>
+                  <a:schemeClr val="tx2"/>
                 </a:solidFill>
                 <a:effectLst>
                   <a:outerShdw blurRad="38100" dist="38100" dir="2700000" algn="tl">
@@ -27014,7 +27084,7 @@
             <a:r>
               <a:rPr lang="en-US" b="1" noProof="1">
                 <a:solidFill>
-                  <a:srgbClr val="8CF4F2"/>
+                  <a:schemeClr val="tx2"/>
                 </a:solidFill>
                 <a:effectLst>
                   <a:outerShdw blurRad="38100" dist="38100" dir="2700000" algn="tl">
@@ -27042,7 +27112,7 @@
             <a:r>
               <a:rPr lang="en-US" b="1" noProof="1">
                 <a:solidFill>
-                  <a:srgbClr val="8CF4F2"/>
+                  <a:schemeClr val="tx2"/>
                 </a:solidFill>
                 <a:effectLst>
                   <a:outerShdw blurRad="38100" dist="38100" dir="2700000" algn="tl">
@@ -27070,7 +27140,7 @@
             <a:r>
               <a:rPr lang="en-US" b="1" noProof="1">
                 <a:solidFill>
-                  <a:srgbClr val="8CF4F2"/>
+                  <a:schemeClr val="tx2"/>
                 </a:solidFill>
                 <a:effectLst>
                   <a:outerShdw blurRad="38100" dist="38100" dir="2700000" algn="tl">
@@ -27098,7 +27168,7 @@
             <a:r>
               <a:rPr lang="en-US" b="1" noProof="1">
                 <a:solidFill>
-                  <a:srgbClr val="8CF4F2"/>
+                  <a:schemeClr val="tx2"/>
                 </a:solidFill>
                 <a:effectLst>
                   <a:outerShdw blurRad="38100" dist="38100" dir="2700000" algn="tl">
@@ -27126,7 +27196,7 @@
             <a:r>
               <a:rPr lang="en-US" b="1" noProof="1">
                 <a:solidFill>
-                  <a:srgbClr val="8CF4F2"/>
+                  <a:schemeClr val="tx2"/>
                 </a:solidFill>
                 <a:effectLst>
                   <a:outerShdw blurRad="38100" dist="38100" dir="2700000" algn="tl">
@@ -27154,7 +27224,7 @@
             <a:r>
               <a:rPr lang="en-US" b="1" noProof="1">
                 <a:solidFill>
-                  <a:srgbClr val="8CF4F2"/>
+                  <a:schemeClr val="tx2"/>
                 </a:solidFill>
                 <a:effectLst>
                   <a:outerShdw blurRad="38100" dist="38100" dir="2700000" algn="tl">
@@ -27182,7 +27252,7 @@
             <a:r>
               <a:rPr lang="en-US" b="1" noProof="1">
                 <a:solidFill>
-                  <a:srgbClr val="8CF4F2"/>
+                  <a:schemeClr val="tx2"/>
                 </a:solidFill>
                 <a:effectLst>
                   <a:outerShdw blurRad="38100" dist="38100" dir="2700000" algn="tl">
@@ -27830,7 +27900,7 @@
             <a:r>
               <a:rPr lang="en-US" b="1" noProof="1">
                 <a:solidFill>
-                  <a:srgbClr val="8CF4F2"/>
+                  <a:schemeClr val="tx2"/>
                 </a:solidFill>
                 <a:effectLst>
                   <a:outerShdw blurRad="38100" dist="38100" dir="2700000" algn="tl">
@@ -27858,7 +27928,7 @@
             <a:r>
               <a:rPr lang="en-US" b="1" noProof="1">
                 <a:solidFill>
-                  <a:srgbClr val="8CF4F2"/>
+                  <a:schemeClr val="tx2"/>
                 </a:solidFill>
                 <a:effectLst>
                   <a:outerShdw blurRad="38100" dist="38100" dir="2700000" algn="tl">
@@ -27886,7 +27956,7 @@
             <a:r>
               <a:rPr lang="en-US" b="1" noProof="1">
                 <a:solidFill>
-                  <a:srgbClr val="8CF4F2"/>
+                  <a:schemeClr val="tx2"/>
                 </a:solidFill>
                 <a:effectLst>
                   <a:outerShdw blurRad="38100" dist="38100" dir="2700000" algn="tl">
@@ -27903,7 +27973,7 @@
             <a:br>
               <a:rPr lang="en-US" b="1" noProof="1">
                 <a:solidFill>
-                  <a:srgbClr val="8CF4F2"/>
+                  <a:schemeClr val="tx2"/>
                 </a:solidFill>
                 <a:effectLst>
                   <a:outerShdw blurRad="38100" dist="38100" dir="2700000" algn="tl">
@@ -27919,7 +27989,7 @@
             <a:r>
               <a:rPr lang="en-US" b="1" noProof="1">
                 <a:solidFill>
-                  <a:srgbClr val="8CF4F2"/>
+                  <a:schemeClr val="tx2"/>
                 </a:solidFill>
                 <a:effectLst>
                   <a:outerShdw blurRad="38100" dist="38100" dir="2700000" algn="tl">
@@ -27947,7 +28017,7 @@
             <a:r>
               <a:rPr lang="en-US" b="1" noProof="1">
                 <a:solidFill>
-                  <a:srgbClr val="8CF4F2"/>
+                  <a:schemeClr val="tx2"/>
                 </a:solidFill>
                 <a:effectLst>
                   <a:outerShdw blurRad="38100" dist="38100" dir="2700000" algn="tl">
@@ -27975,7 +28045,7 @@
             <a:r>
               <a:rPr lang="en-US" b="1" noProof="1">
                 <a:solidFill>
-                  <a:srgbClr val="8CF4F2"/>
+                  <a:schemeClr val="tx2"/>
                 </a:solidFill>
                 <a:effectLst>
                   <a:outerShdw blurRad="38100" dist="38100" dir="2700000" algn="tl">
@@ -28003,7 +28073,7 @@
             <a:r>
               <a:rPr lang="en-US" b="1" noProof="1">
                 <a:solidFill>
-                  <a:srgbClr val="8CF4F2"/>
+                  <a:schemeClr val="tx2"/>
                 </a:solidFill>
                 <a:effectLst>
                   <a:outerShdw blurRad="38100" dist="38100" dir="2700000" algn="tl">
@@ -28031,7 +28101,7 @@
             <a:r>
               <a:rPr lang="en-US" b="1" noProof="1">
                 <a:solidFill>
-                  <a:srgbClr val="8CF4F2"/>
+                  <a:schemeClr val="tx2"/>
                 </a:solidFill>
                 <a:effectLst>
                   <a:outerShdw blurRad="38100" dist="38100" dir="2700000" algn="tl">
@@ -29114,7 +29184,7 @@
             <a:r>
               <a:rPr lang="en-US" sz="2800" b="1" dirty="0">
                 <a:solidFill>
-                  <a:srgbClr val="8CF4F2"/>
+                  <a:schemeClr val="tx2"/>
                 </a:solidFill>
                 <a:effectLst>
                   <a:outerShdw blurRad="38100" dist="38100" dir="2700000" algn="tl">
@@ -29130,7 +29200,7 @@
             </a:r>
             <a:endParaRPr lang="en-US" sz="2800" b="1" noProof="1">
               <a:solidFill>
-                <a:srgbClr val="8CF4F2"/>
+                <a:schemeClr val="tx2"/>
               </a:solidFill>
               <a:effectLst>
                 <a:outerShdw blurRad="38100" dist="38100" dir="2700000" algn="tl">
@@ -29389,7 +29459,7 @@
             <a:r>
               <a:rPr lang="en-US" b="1" noProof="1">
                 <a:solidFill>
-                  <a:srgbClr val="8CF4F2"/>
+                  <a:schemeClr val="tx2"/>
                 </a:solidFill>
                 <a:effectLst>
                   <a:outerShdw blurRad="38100" dist="38100" dir="2700000" algn="tl">
@@ -29420,7 +29490,7 @@
             <a:r>
               <a:rPr lang="en-US" b="1" noProof="1">
                 <a:solidFill>
-                  <a:srgbClr val="8CF4F2"/>
+                  <a:schemeClr val="tx2"/>
                 </a:solidFill>
                 <a:effectLst>
                   <a:outerShdw blurRad="38100" dist="38100" dir="2700000" algn="tl">
@@ -29490,7 +29560,7 @@
             <a:r>
               <a:rPr lang="en-US" b="1" noProof="1">
                 <a:solidFill>
-                  <a:srgbClr val="8CF4F2"/>
+                  <a:schemeClr val="tx2"/>
                 </a:solidFill>
                 <a:effectLst>
                   <a:outerShdw blurRad="38100" dist="38100" dir="2700000" algn="tl">
@@ -29521,7 +29591,7 @@
             <a:r>
               <a:rPr lang="en-US" b="1" noProof="1">
                 <a:solidFill>
-                  <a:srgbClr val="8CF4F2"/>
+                  <a:schemeClr val="tx2"/>
                 </a:solidFill>
                 <a:effectLst>
                   <a:outerShdw blurRad="38100" dist="38100" dir="2700000" algn="tl">
@@ -29598,17 +29668,65 @@
           <a:p>
             <a:pPr algn="ctr"/>
             <a:r>
-              <a:rPr lang="en-US" sz="2800" dirty="0">
+              <a:rPr lang="en-US" sz="2800" b="1" dirty="0">
                 <a:solidFill>
-                  <a:srgbClr val="FFFFFF"/>
+                  <a:schemeClr val="tx1"/>
                 </a:solidFill>
+                <a:effectLst>
+                  <a:outerShdw blurRad="38100" dist="38100" dir="2700000" algn="tl">
+                    <a:srgbClr val="000000">
+                      <a:alpha val="43137"/>
+                    </a:srgbClr>
+                  </a:outerShdw>
+                </a:effectLst>
               </a:rPr>
-              <a:t>Here the value of y is -1</a:t>
-            </a:r>
-            <a:endParaRPr lang="en-US" sz="2800" noProof="1">
+              <a:t>Here the value of </a:t>
+            </a:r>
+            <a:r>
+              <a:rPr lang="en-US" sz="2800" b="1" dirty="0">
+                <a:solidFill>
+                  <a:schemeClr val="tx2">
+                    <a:lumMod val="75000"/>
+                  </a:schemeClr>
+                </a:solidFill>
+                <a:effectLst>
+                  <a:outerShdw blurRad="38100" dist="38100" dir="2700000" algn="tl">
+                    <a:srgbClr val="000000">
+                      <a:alpha val="43137"/>
+                    </a:srgbClr>
+                  </a:outerShdw>
+                </a:effectLst>
+                <a:latin typeface="Consolas" panose="020B0609020204030204" pitchFamily="49" charset="0"/>
+                <a:cs typeface="Consolas" panose="020B0609020204030204" pitchFamily="49" charset="0"/>
+              </a:rPr>
+              <a:t>y</a:t>
+            </a:r>
+            <a:r>
+              <a:rPr lang="en-US" sz="2800" b="1" dirty="0">
+                <a:solidFill>
+                  <a:schemeClr val="tx1"/>
+                </a:solidFill>
+                <a:effectLst>
+                  <a:outerShdw blurRad="38100" dist="38100" dir="2700000" algn="tl">
+                    <a:srgbClr val="000000">
+                      <a:alpha val="43137"/>
+                    </a:srgbClr>
+                  </a:outerShdw>
+                </a:effectLst>
+              </a:rPr>
+              <a:t> is -1</a:t>
+            </a:r>
+            <a:endParaRPr lang="en-US" sz="2800" b="1" noProof="1">
               <a:solidFill>
-                <a:srgbClr val="FFFFFF"/>
+                <a:schemeClr val="tx1"/>
               </a:solidFill>
+              <a:effectLst>
+                <a:outerShdw blurRad="38100" dist="38100" dir="2700000" algn="tl">
+                  <a:srgbClr val="000000">
+                    <a:alpha val="43137"/>
+                  </a:srgbClr>
+                </a:outerShdw>
+              </a:effectLst>
             </a:endParaRPr>
           </a:p>
         </p:txBody>
@@ -29673,17 +29791,65 @@
           <a:p>
             <a:pPr algn="ctr"/>
             <a:r>
-              <a:rPr lang="en-US" sz="2800" dirty="0">
+              <a:rPr lang="en-US" sz="2800" b="1" dirty="0">
                 <a:solidFill>
                   <a:srgbClr val="FFFFFF"/>
                 </a:solidFill>
+                <a:effectLst>
+                  <a:outerShdw blurRad="38100" dist="38100" dir="2700000" algn="tl">
+                    <a:srgbClr val="000000">
+                      <a:alpha val="43137"/>
+                    </a:srgbClr>
+                  </a:outerShdw>
+                </a:effectLst>
               </a:rPr>
-              <a:t>Here the value of y is 1</a:t>
-            </a:r>
-            <a:endParaRPr lang="en-US" sz="2800" noProof="1">
+              <a:t>Here the value of </a:t>
+            </a:r>
+            <a:r>
+              <a:rPr lang="en-US" sz="2800" b="1" dirty="0">
+                <a:solidFill>
+                  <a:schemeClr val="tx2">
+                    <a:lumMod val="75000"/>
+                  </a:schemeClr>
+                </a:solidFill>
+                <a:effectLst>
+                  <a:outerShdw blurRad="38100" dist="38100" dir="2700000" algn="tl">
+                    <a:srgbClr val="000000">
+                      <a:alpha val="43137"/>
+                    </a:srgbClr>
+                  </a:outerShdw>
+                </a:effectLst>
+                <a:latin typeface="Consolas" panose="020B0609020204030204" pitchFamily="49" charset="0"/>
+                <a:cs typeface="Consolas" panose="020B0609020204030204" pitchFamily="49" charset="0"/>
+              </a:rPr>
+              <a:t>y</a:t>
+            </a:r>
+            <a:r>
+              <a:rPr lang="en-US" sz="2800" b="1" dirty="0">
+                <a:solidFill>
+                  <a:srgbClr val="FFFFFF"/>
+                </a:solidFill>
+                <a:effectLst>
+                  <a:outerShdw blurRad="38100" dist="38100" dir="2700000" algn="tl">
+                    <a:srgbClr val="000000">
+                      <a:alpha val="43137"/>
+                    </a:srgbClr>
+                  </a:outerShdw>
+                </a:effectLst>
+              </a:rPr>
+              <a:t> is 1</a:t>
+            </a:r>
+            <a:endParaRPr lang="en-US" sz="2800" b="1" noProof="1">
               <a:solidFill>
                 <a:srgbClr val="FFFFFF"/>
               </a:solidFill>
+              <a:effectLst>
+                <a:outerShdw blurRad="38100" dist="38100" dir="2700000" algn="tl">
+                  <a:srgbClr val="000000">
+                    <a:alpha val="43137"/>
+                  </a:srgbClr>
+                </a:outerShdw>
+              </a:effectLst>
             </a:endParaRPr>
           </a:p>
         </p:txBody>
@@ -29986,7 +30152,7 @@
             <a:r>
               <a:rPr lang="en-US" sz="2600" b="1" noProof="1">
                 <a:solidFill>
-                  <a:srgbClr val="8CF4F2"/>
+                  <a:schemeClr val="tx2"/>
                 </a:solidFill>
                 <a:effectLst>
                   <a:outerShdw blurRad="38100" dist="38100" dir="2700000" algn="tl">
@@ -30017,7 +30183,7 @@
             <a:r>
               <a:rPr lang="en-US" sz="2600" b="1" noProof="1">
                 <a:solidFill>
-                  <a:srgbClr val="8CF4F2"/>
+                  <a:schemeClr val="tx2"/>
                 </a:solidFill>
                 <a:effectLst>
                   <a:outerShdw blurRad="38100" dist="38100" dir="2700000" algn="tl">
@@ -30048,7 +30214,7 @@
             <a:r>
               <a:rPr lang="en-US" sz="2600" b="1" noProof="1">
                 <a:solidFill>
-                  <a:srgbClr val="8CF4F2"/>
+                  <a:schemeClr val="tx2"/>
                 </a:solidFill>
                 <a:effectLst>
                   <a:outerShdw blurRad="38100" dist="38100" dir="2700000" algn="tl">
@@ -30079,7 +30245,7 @@
             <a:r>
               <a:rPr lang="en-US" sz="2600" b="1" noProof="1">
                 <a:solidFill>
-                  <a:srgbClr val="8CF4F2"/>
+                  <a:schemeClr val="tx2"/>
                 </a:solidFill>
                 <a:effectLst>
                   <a:outerShdw blurRad="38100" dist="38100" dir="2700000" algn="tl">
@@ -30113,7 +30279,7 @@
             <a:r>
               <a:rPr lang="en-US" sz="2600" b="1" noProof="1">
                 <a:solidFill>
-                  <a:srgbClr val="8CF4F2"/>
+                  <a:schemeClr val="tx2"/>
                 </a:solidFill>
                 <a:effectLst>
                   <a:outerShdw blurRad="38100" dist="38100" dir="2700000" algn="tl">
@@ -30144,7 +30310,7 @@
             <a:r>
               <a:rPr lang="en-US" sz="2600" b="1" noProof="1">
                 <a:solidFill>
-                  <a:srgbClr val="8CF4F2"/>
+                  <a:schemeClr val="tx2"/>
                 </a:solidFill>
                 <a:effectLst>
                   <a:outerShdw blurRad="38100" dist="38100" dir="2700000" algn="tl">
@@ -30175,7 +30341,7 @@
             <a:r>
               <a:rPr lang="en-US" sz="2600" b="1" noProof="1">
                 <a:solidFill>
-                  <a:srgbClr val="8CF4F2"/>
+                  <a:schemeClr val="tx2"/>
                 </a:solidFill>
                 <a:effectLst>
                   <a:outerShdw blurRad="38100" dist="38100" dir="2700000" algn="tl">
@@ -30206,7 +30372,7 @@
             <a:r>
               <a:rPr lang="en-US" sz="2600" b="1" noProof="1">
                 <a:solidFill>
-                  <a:srgbClr val="8CF4F2"/>
+                  <a:schemeClr val="tx2"/>
                 </a:solidFill>
                 <a:effectLst>
                   <a:outerShdw blurRad="38100" dist="38100" dir="2700000" algn="tl">
@@ -30237,7 +30403,7 @@
             <a:r>
               <a:rPr lang="en-US" sz="2600" b="1" noProof="1">
                 <a:solidFill>
-                  <a:srgbClr val="8CF4F2"/>
+                  <a:schemeClr val="tx2"/>
                 </a:solidFill>
                 <a:effectLst>
                   <a:outerShdw blurRad="38100" dist="38100" dir="2700000" algn="tl">
@@ -30271,7 +30437,7 @@
             <a:r>
               <a:rPr lang="en-US" sz="2600" b="1" noProof="1">
                 <a:solidFill>
-                  <a:srgbClr val="8CF4F2"/>
+                  <a:schemeClr val="tx2"/>
                 </a:solidFill>
                 <a:effectLst>
                   <a:outerShdw blurRad="38100" dist="38100" dir="2700000" algn="tl">
@@ -30302,7 +30468,7 @@
             <a:r>
               <a:rPr lang="en-US" sz="2600" b="1" noProof="1">
                 <a:solidFill>
-                  <a:srgbClr val="8CF4F2"/>
+                  <a:schemeClr val="tx2"/>
                 </a:solidFill>
                 <a:effectLst>
                   <a:outerShdw blurRad="38100" dist="38100" dir="2700000" algn="tl">
@@ -30672,9 +30838,8 @@
             <a:r>
               <a:rPr lang="en-US" dirty="0">
                 <a:solidFill>
-                  <a:schemeClr val="accent5">
-                    <a:lumMod val="20000"/>
-                    <a:lumOff val="80000"/>
+                  <a:schemeClr val="tx2">
+                    <a:lumMod val="75000"/>
                   </a:schemeClr>
                 </a:solidFill>
               </a:rPr>
@@ -30683,9 +30848,8 @@
             <a:r>
               <a:rPr lang="en-US" dirty="0" smtClean="0">
                 <a:solidFill>
-                  <a:schemeClr val="accent5">
-                    <a:lumMod val="20000"/>
-                    <a:lumOff val="80000"/>
+                  <a:schemeClr val="tx2">
+                    <a:lumMod val="75000"/>
                   </a:schemeClr>
                 </a:solidFill>
               </a:rPr>
@@ -30693,9 +30857,8 @@
             </a:r>
             <a:endParaRPr lang="en-US" dirty="0">
               <a:solidFill>
-                <a:schemeClr val="accent5">
-                  <a:lumMod val="20000"/>
-                  <a:lumOff val="80000"/>
+                <a:schemeClr val="tx2">
+                  <a:lumMod val="75000"/>
                 </a:schemeClr>
               </a:solidFill>
             </a:endParaRPr>
@@ -30832,7 +30995,7 @@
             <a:r>
               <a:rPr lang="en-US" sz="2600" b="1" noProof="1">
                 <a:solidFill>
-                  <a:srgbClr val="8CF4F2"/>
+                  <a:schemeClr val="tx2"/>
                 </a:solidFill>
                 <a:effectLst>
                   <a:outerShdw blurRad="38100" dist="38100" dir="2700000" algn="tl">
@@ -30863,7 +31026,7 @@
             <a:r>
               <a:rPr lang="en-US" sz="2600" b="1" noProof="1">
                 <a:solidFill>
-                  <a:srgbClr val="8CF4F2"/>
+                  <a:schemeClr val="tx2"/>
                 </a:solidFill>
                 <a:effectLst>
                   <a:outerShdw blurRad="38100" dist="38100" dir="2700000" algn="tl">
@@ -30880,7 +31043,7 @@
             <a:r>
               <a:rPr lang="en-US" sz="2600" b="1" noProof="1" smtClean="0">
                 <a:solidFill>
-                  <a:srgbClr val="8CF4F2"/>
+                  <a:schemeClr val="tx2"/>
                 </a:solidFill>
                 <a:effectLst>
                   <a:outerShdw blurRad="38100" dist="38100" dir="2700000" algn="tl">
@@ -30897,7 +31060,7 @@
             <a:r>
               <a:rPr lang="bg-BG" sz="2600" b="1" noProof="1" smtClean="0">
                 <a:solidFill>
-                  <a:srgbClr val="8CF4F2"/>
+                  <a:schemeClr val="tx2"/>
                 </a:solidFill>
                 <a:effectLst>
                   <a:outerShdw blurRad="38100" dist="38100" dir="2700000" algn="tl">
@@ -30914,7 +31077,7 @@
             <a:r>
               <a:rPr lang="en-US" sz="2600" b="1" noProof="1" smtClean="0">
                 <a:solidFill>
-                  <a:srgbClr val="8CF4F2"/>
+                  <a:schemeClr val="tx2"/>
                 </a:solidFill>
                 <a:effectLst>
                   <a:outerShdw blurRad="38100" dist="38100" dir="2700000" algn="tl">
@@ -30930,7 +31093,7 @@
             </a:r>
             <a:endParaRPr lang="en-US" sz="2600" b="1" noProof="1">
               <a:solidFill>
-                <a:srgbClr val="8CF4F2"/>
+                <a:schemeClr val="tx2"/>
               </a:solidFill>
               <a:effectLst>
                 <a:outerShdw blurRad="38100" dist="38100" dir="2700000" algn="tl">
@@ -31034,9 +31197,8 @@
             <a:r>
               <a:rPr lang="en-US" dirty="0">
                 <a:solidFill>
-                  <a:schemeClr val="accent5">
-                    <a:lumMod val="20000"/>
-                    <a:lumOff val="80000"/>
+                  <a:schemeClr val="tx2">
+                    <a:lumMod val="75000"/>
                   </a:schemeClr>
                 </a:solidFill>
               </a:rPr>
@@ -31045,9 +31207,8 @@
             <a:r>
               <a:rPr lang="en-US" dirty="0" smtClean="0">
                 <a:solidFill>
-                  <a:schemeClr val="accent5">
-                    <a:lumMod val="20000"/>
-                    <a:lumOff val="80000"/>
+                  <a:schemeClr val="tx2">
+                    <a:lumMod val="75000"/>
                   </a:schemeClr>
                 </a:solidFill>
               </a:rPr>
@@ -31055,9 +31216,8 @@
             </a:r>
             <a:endParaRPr lang="en-US" dirty="0">
               <a:solidFill>
-                <a:schemeClr val="accent5">
-                  <a:lumMod val="20000"/>
-                  <a:lumOff val="80000"/>
+                <a:schemeClr val="tx2">
+                  <a:lumMod val="75000"/>
                 </a:schemeClr>
               </a:solidFill>
             </a:endParaRPr>
@@ -31210,7 +31370,7 @@
             <a:r>
               <a:rPr lang="en-US" sz="2600" b="1" noProof="1">
                 <a:solidFill>
-                  <a:srgbClr val="8CF4F2"/>
+                  <a:schemeClr val="tx2"/>
                 </a:solidFill>
                 <a:effectLst>
                   <a:outerShdw blurRad="38100" dist="38100" dir="2700000" algn="tl">
@@ -31241,7 +31401,7 @@
             <a:r>
               <a:rPr lang="en-US" sz="2600" b="1" noProof="1">
                 <a:solidFill>
-                  <a:srgbClr val="8CF4F2"/>
+                  <a:schemeClr val="tx2"/>
                 </a:solidFill>
                 <a:effectLst>
                   <a:outerShdw blurRad="38100" dist="38100" dir="2700000" algn="tl">
@@ -31258,7 +31418,7 @@
             <a:r>
               <a:rPr lang="en-US" sz="2600" b="1" noProof="1" smtClean="0">
                 <a:solidFill>
-                  <a:srgbClr val="8CF4F2"/>
+                  <a:schemeClr val="tx2"/>
                 </a:solidFill>
                 <a:effectLst>
                   <a:outerShdw blurRad="38100" dist="38100" dir="2700000" algn="tl">
@@ -31274,7 +31434,7 @@
             </a:r>
             <a:endParaRPr lang="en-US" sz="2600" b="1" noProof="1">
               <a:solidFill>
-                <a:srgbClr val="8CF4F2"/>
+                <a:schemeClr val="tx2"/>
               </a:solidFill>
               <a:effectLst>
                 <a:outerShdw blurRad="38100" dist="38100" dir="2700000" algn="tl">
@@ -31672,7 +31832,7 @@
             <a:r>
               <a:rPr lang="it-IT" b="1" noProof="1" smtClean="0">
                 <a:solidFill>
-                  <a:srgbClr val="8CF4F2"/>
+                  <a:schemeClr val="tx2"/>
                 </a:solidFill>
                 <a:effectLst>
                   <a:outerShdw blurRad="38100" dist="38100" dir="2700000" algn="tl">
@@ -31688,7 +31848,7 @@
             </a:r>
             <a:endParaRPr lang="it-IT" b="1" noProof="1">
               <a:solidFill>
-                <a:srgbClr val="8CF4F2"/>
+                <a:schemeClr val="tx2"/>
               </a:solidFill>
               <a:effectLst>
                 <a:outerShdw blurRad="38100" dist="38100" dir="2700000" algn="tl">
@@ -31713,7 +31873,7 @@
         </p:nvSpPr>
         <p:spPr bwMode="auto">
           <a:xfrm>
-            <a:off x="6414656" y="2646363"/>
+            <a:off x="6454412" y="2547986"/>
             <a:ext cx="2275200" cy="678393"/>
           </a:xfrm>
           <a:prstGeom prst="wedgeRoundRectCallout">
@@ -31808,13 +31968,13 @@
         </p:nvSpPr>
         <p:spPr bwMode="auto">
           <a:xfrm>
-            <a:off x="5979212" y="3693066"/>
+            <a:off x="5878412" y="3867639"/>
             <a:ext cx="2275200" cy="678393"/>
           </a:xfrm>
           <a:prstGeom prst="wedgeRoundRectCallout">
             <a:avLst>
               <a:gd name="adj1" fmla="val -67084"/>
-              <a:gd name="adj2" fmla="val -62472"/>
+              <a:gd name="adj2" fmla="val -65681"/>
               <a:gd name="adj3" fmla="val 16667"/>
             </a:avLst>
           </a:prstGeom>
@@ -32255,7 +32415,7 @@
             <a:r>
               <a:rPr lang="en-US" b="1" noProof="1">
                 <a:solidFill>
-                  <a:srgbClr val="8CF4F2"/>
+                  <a:schemeClr val="tx2"/>
                 </a:solidFill>
                 <a:effectLst>
                   <a:outerShdw blurRad="38100" dist="38100" dir="2700000" algn="tl">
@@ -32286,7 +32446,7 @@
             <a:r>
               <a:rPr lang="en-US" b="1" noProof="1">
                 <a:solidFill>
-                  <a:srgbClr val="8CF4F2"/>
+                  <a:schemeClr val="tx2"/>
                 </a:solidFill>
                 <a:effectLst>
                   <a:outerShdw blurRad="38100" dist="38100" dir="2700000" algn="tl">
@@ -32316,7 +32476,7 @@
             </a:pPr>
             <a:endParaRPr lang="en-US" b="1" noProof="1">
               <a:solidFill>
-                <a:srgbClr val="8CF4F2"/>
+                <a:schemeClr val="tx2"/>
               </a:solidFill>
               <a:effectLst>
                 <a:outerShdw blurRad="38100" dist="38100" dir="2700000" algn="tl">
@@ -32345,7 +32505,7 @@
             <a:r>
               <a:rPr lang="en-US" b="1" noProof="1">
                 <a:solidFill>
-                  <a:srgbClr val="8CF4F2"/>
+                  <a:schemeClr val="tx2"/>
                 </a:solidFill>
                 <a:effectLst>
                   <a:outerShdw blurRad="38100" dist="38100" dir="2700000" algn="tl">
@@ -32375,7 +32535,7 @@
             </a:pPr>
             <a:endParaRPr lang="en-US" b="1" noProof="1">
               <a:solidFill>
-                <a:srgbClr val="8CF4F2"/>
+                <a:schemeClr val="tx2"/>
               </a:solidFill>
               <a:effectLst>
                 <a:outerShdw blurRad="38100" dist="38100" dir="2700000" algn="tl">
@@ -32404,7 +32564,7 @@
             <a:r>
               <a:rPr lang="en-US" b="1" noProof="1">
                 <a:solidFill>
-                  <a:srgbClr val="8CF4F2"/>
+                  <a:schemeClr val="tx2"/>
                 </a:solidFill>
                 <a:effectLst>
                   <a:outerShdw blurRad="38100" dist="38100" dir="2700000" algn="tl">
@@ -32434,7 +32594,7 @@
             </a:pPr>
             <a:endParaRPr lang="en-US" b="1" noProof="1">
               <a:solidFill>
-                <a:srgbClr val="8CF4F2"/>
+                <a:schemeClr val="tx2"/>
               </a:solidFill>
               <a:effectLst>
                 <a:outerShdw blurRad="38100" dist="38100" dir="2700000" algn="tl">
@@ -32463,7 +32623,7 @@
             <a:r>
               <a:rPr lang="en-US" b="1" noProof="1">
                 <a:solidFill>
-                  <a:srgbClr val="8CF4F2"/>
+                  <a:schemeClr val="tx2"/>
                 </a:solidFill>
                 <a:effectLst>
                   <a:outerShdw blurRad="38100" dist="38100" dir="2700000" algn="tl">
@@ -32950,7 +33110,7 @@
             <a:r>
               <a:rPr lang="en-US" sz="2800" b="1" noProof="1">
                 <a:solidFill>
-                  <a:srgbClr val="8CF4F2"/>
+                  <a:schemeClr val="tx2"/>
                 </a:solidFill>
                 <a:effectLst>
                   <a:outerShdw blurRad="38100" dist="38100" dir="2700000" algn="tl">
@@ -32962,7 +33122,41 @@
                 <a:latin typeface="Consolas" pitchFamily="49" charset="0"/>
                 <a:cs typeface="Consolas" pitchFamily="49" charset="0"/>
               </a:rPr>
-              <a:t>int r = (150-20) / 2 + 5; // r=70</a:t>
+              <a:t>int r = (</a:t>
+            </a:r>
+            <a:r>
+              <a:rPr lang="en-US" sz="2800" b="1" noProof="1" smtClean="0">
+                <a:solidFill>
+                  <a:schemeClr val="tx2"/>
+                </a:solidFill>
+                <a:effectLst>
+                  <a:outerShdw blurRad="38100" dist="38100" dir="2700000" algn="tl">
+                    <a:srgbClr val="000000">
+                      <a:alpha val="43137"/>
+                    </a:srgbClr>
+                  </a:outerShdw>
+                </a:effectLst>
+                <a:latin typeface="Consolas" pitchFamily="49" charset="0"/>
+                <a:cs typeface="Consolas" pitchFamily="49" charset="0"/>
+              </a:rPr>
+              <a:t>150 - 20</a:t>
+            </a:r>
+            <a:r>
+              <a:rPr lang="en-US" sz="2800" b="1" noProof="1">
+                <a:solidFill>
+                  <a:schemeClr val="tx2"/>
+                </a:solidFill>
+                <a:effectLst>
+                  <a:outerShdw blurRad="38100" dist="38100" dir="2700000" algn="tl">
+                    <a:srgbClr val="000000">
+                      <a:alpha val="43137"/>
+                    </a:srgbClr>
+                  </a:outerShdw>
+                </a:effectLst>
+                <a:latin typeface="Consolas" pitchFamily="49" charset="0"/>
+                <a:cs typeface="Consolas" pitchFamily="49" charset="0"/>
+              </a:rPr>
+              <a:t>) / 2 + 5; // r=70</a:t>
             </a:r>
           </a:p>
           <a:p>
@@ -32984,7 +33178,7 @@
             <a:r>
               <a:rPr lang="en-US" sz="2800" b="1" noProof="1">
                 <a:solidFill>
-                  <a:srgbClr val="8CF4F2"/>
+                  <a:schemeClr val="tx2"/>
                 </a:solidFill>
                 <a:effectLst>
                   <a:outerShdw blurRad="38100" dist="38100" dir="2700000" algn="tl">
@@ -33001,7 +33195,7 @@
             <a:r>
               <a:rPr lang="en-US" sz="2800" b="1" noProof="1" smtClean="0">
                 <a:solidFill>
-                  <a:srgbClr val="8CF4F2"/>
+                  <a:schemeClr val="tx2"/>
                 </a:solidFill>
                 <a:effectLst>
                   <a:outerShdw blurRad="38100" dist="38100" dir="2700000" algn="tl">
@@ -33018,7 +33212,7 @@
             <a:r>
               <a:rPr lang="en-US" sz="2800" b="1" noProof="1">
                 <a:solidFill>
-                  <a:srgbClr val="8CF4F2"/>
+                  <a:schemeClr val="tx2"/>
                 </a:solidFill>
                 <a:effectLst>
                   <a:outerShdw blurRad="38100" dist="38100" dir="2700000" algn="tl">
@@ -33049,7 +33243,7 @@
             <a:r>
               <a:rPr lang="en-US" sz="2800" b="1" noProof="1">
                 <a:solidFill>
-                  <a:srgbClr val="8CF4F2"/>
+                  <a:schemeClr val="tx2"/>
                 </a:solidFill>
                 <a:effectLst>
                   <a:outerShdw blurRad="38100" dist="38100" dir="2700000" algn="tl">
@@ -33083,7 +33277,7 @@
             <a:r>
               <a:rPr lang="en-US" sz="2800" b="1" noProof="1">
                 <a:solidFill>
-                  <a:srgbClr val="8CF4F2"/>
+                  <a:schemeClr val="tx2"/>
                 </a:solidFill>
                 <a:effectLst>
                   <a:outerShdw blurRad="38100" dist="38100" dir="2700000" algn="tl">
@@ -33100,7 +33294,7 @@
             <a:r>
               <a:rPr lang="en-US" sz="2800" b="1" noProof="1" smtClean="0">
                 <a:solidFill>
-                  <a:srgbClr val="8CF4F2"/>
+                  <a:schemeClr val="tx2"/>
                 </a:solidFill>
                 <a:effectLst>
                   <a:outerShdw blurRad="38100" dist="38100" dir="2700000" algn="tl">
@@ -33117,7 +33311,7 @@
             <a:r>
               <a:rPr lang="en-US" sz="2800" b="1" noProof="1">
                 <a:solidFill>
-                  <a:srgbClr val="8CF4F2"/>
+                  <a:schemeClr val="tx2"/>
                 </a:solidFill>
                 <a:effectLst>
                   <a:outerShdw blurRad="38100" dist="38100" dir="2700000" algn="tl">
@@ -33148,7 +33342,7 @@
             <a:r>
               <a:rPr lang="en-US" sz="2800" b="1" noProof="1">
                 <a:solidFill>
-                  <a:srgbClr val="8CF4F2"/>
+                  <a:schemeClr val="tx2"/>
                 </a:solidFill>
                 <a:effectLst>
                   <a:outerShdw blurRad="38100" dist="38100" dir="2700000" algn="tl">
@@ -33249,17 +33443,12 @@
             <a:r>
               <a:rPr lang="en-US" dirty="0">
                 <a:solidFill>
-                  <a:schemeClr val="accent5">
-                    <a:lumMod val="20000"/>
-                    <a:lumOff val="80000"/>
+                  <a:schemeClr val="tx2">
+                    <a:lumMod val="75000"/>
                   </a:schemeClr>
                 </a:solidFill>
               </a:rPr>
-              <a:t>Expressions</a:t>
-            </a:r>
-            <a:r>
-              <a:rPr lang="en-US" dirty="0"/>
-              <a:t> </a:t>
+              <a:t>Expressions </a:t>
             </a:r>
             <a:r>
               <a:rPr lang="en-US" dirty="0" smtClean="0"/>
@@ -33428,7 +33617,109 @@
                 <a:latin typeface="Consolas" pitchFamily="49" charset="0"/>
                 <a:cs typeface="Consolas" pitchFamily="49" charset="0"/>
               </a:rPr>
-              <a:t>int b = (a+3) * (a-4) + (2*a + 7) / 4;  // b = 12</a:t>
+              <a:t>int b = </a:t>
+            </a:r>
+            <a:r>
+              <a:rPr lang="en-US" sz="2200" b="1" noProof="1" smtClean="0">
+                <a:solidFill>
+                  <a:srgbClr val="FBEEDC"/>
+                </a:solidFill>
+                <a:effectLst>
+                  <a:outerShdw blurRad="38100" dist="38100" dir="2700000" algn="tl">
+                    <a:srgbClr val="000000">
+                      <a:alpha val="43137"/>
+                    </a:srgbClr>
+                  </a:outerShdw>
+                </a:effectLst>
+                <a:latin typeface="Consolas" pitchFamily="49" charset="0"/>
+                <a:cs typeface="Consolas" pitchFamily="49" charset="0"/>
+              </a:rPr>
+              <a:t>(a + 3</a:t>
+            </a:r>
+            <a:r>
+              <a:rPr lang="en-US" sz="2200" b="1" noProof="1">
+                <a:solidFill>
+                  <a:srgbClr val="FBEEDC"/>
+                </a:solidFill>
+                <a:effectLst>
+                  <a:outerShdw blurRad="38100" dist="38100" dir="2700000" algn="tl">
+                    <a:srgbClr val="000000">
+                      <a:alpha val="43137"/>
+                    </a:srgbClr>
+                  </a:outerShdw>
+                </a:effectLst>
+                <a:latin typeface="Consolas" pitchFamily="49" charset="0"/>
+                <a:cs typeface="Consolas" pitchFamily="49" charset="0"/>
+              </a:rPr>
+              <a:t>) * (</a:t>
+            </a:r>
+            <a:r>
+              <a:rPr lang="en-US" sz="2200" b="1" noProof="1" smtClean="0">
+                <a:solidFill>
+                  <a:srgbClr val="FBEEDC"/>
+                </a:solidFill>
+                <a:effectLst>
+                  <a:outerShdw blurRad="38100" dist="38100" dir="2700000" algn="tl">
+                    <a:srgbClr val="000000">
+                      <a:alpha val="43137"/>
+                    </a:srgbClr>
+                  </a:outerShdw>
+                </a:effectLst>
+                <a:latin typeface="Consolas" pitchFamily="49" charset="0"/>
+                <a:cs typeface="Consolas" pitchFamily="49" charset="0"/>
+              </a:rPr>
+              <a:t>a - 4</a:t>
+            </a:r>
+            <a:r>
+              <a:rPr lang="en-US" sz="2200" b="1" noProof="1">
+                <a:solidFill>
+                  <a:srgbClr val="FBEEDC"/>
+                </a:solidFill>
+                <a:effectLst>
+                  <a:outerShdw blurRad="38100" dist="38100" dir="2700000" algn="tl">
+                    <a:srgbClr val="000000">
+                      <a:alpha val="43137"/>
+                    </a:srgbClr>
+                  </a:outerShdw>
+                </a:effectLst>
+                <a:latin typeface="Consolas" pitchFamily="49" charset="0"/>
+                <a:cs typeface="Consolas" pitchFamily="49" charset="0"/>
+              </a:rPr>
+              <a:t>) + (</a:t>
+            </a:r>
+            <a:r>
+              <a:rPr lang="en-US" sz="2200" b="1" noProof="1" smtClean="0">
+                <a:solidFill>
+                  <a:srgbClr val="FBEEDC"/>
+                </a:solidFill>
+                <a:effectLst>
+                  <a:outerShdw blurRad="38100" dist="38100" dir="2700000" algn="tl">
+                    <a:srgbClr val="000000">
+                      <a:alpha val="43137"/>
+                    </a:srgbClr>
+                  </a:outerShdw>
+                </a:effectLst>
+                <a:latin typeface="Consolas" pitchFamily="49" charset="0"/>
+                <a:cs typeface="Consolas" pitchFamily="49" charset="0"/>
+              </a:rPr>
+              <a:t>2 * a </a:t>
+            </a:r>
+            <a:r>
+              <a:rPr lang="en-US" sz="2200" b="1" noProof="1">
+                <a:solidFill>
+                  <a:srgbClr val="FBEEDC"/>
+                </a:solidFill>
+                <a:effectLst>
+                  <a:outerShdw blurRad="38100" dist="38100" dir="2700000" algn="tl">
+                    <a:srgbClr val="000000">
+                      <a:alpha val="43137"/>
+                    </a:srgbClr>
+                  </a:outerShdw>
+                </a:effectLst>
+                <a:latin typeface="Consolas" pitchFamily="49" charset="0"/>
+                <a:cs typeface="Consolas" pitchFamily="49" charset="0"/>
+              </a:rPr>
+              <a:t>+ 7) / 4;  // b = 12</a:t>
             </a:r>
           </a:p>
           <a:p>
@@ -33520,10 +33811,17 @@
           <a:p>
             <a:pPr algn="ctr"/>
             <a:r>
-              <a:rPr lang="en-US" sz="2800" dirty="0">
+              <a:rPr lang="en-US" sz="2800" b="1" dirty="0">
                 <a:solidFill>
                   <a:srgbClr val="FFFFFF"/>
                 </a:solidFill>
+                <a:effectLst>
+                  <a:outerShdw blurRad="38100" dist="38100" dir="2700000" algn="tl">
+                    <a:srgbClr val="000000">
+                      <a:alpha val="43137"/>
+                    </a:srgbClr>
+                  </a:outerShdw>
+                </a:effectLst>
               </a:rPr>
               <a:t>Expression of type </a:t>
             </a:r>
@@ -33534,31 +33832,59 @@
                     <a:lumMod val="75000"/>
                   </a:schemeClr>
                 </a:solidFill>
+                <a:effectLst>
+                  <a:outerShdw blurRad="38100" dist="38100" dir="2700000" algn="tl">
+                    <a:srgbClr val="000000">
+                      <a:alpha val="43137"/>
+                    </a:srgbClr>
+                  </a:outerShdw>
+                </a:effectLst>
                 <a:latin typeface="Consolas" panose="020B0609020204030204" pitchFamily="49" charset="0"/>
                 <a:cs typeface="Consolas" panose="020B0609020204030204" pitchFamily="49" charset="0"/>
               </a:rPr>
               <a:t>int</a:t>
             </a:r>
             <a:r>
-              <a:rPr lang="en-US" sz="2800" dirty="0">
+              <a:rPr lang="en-US" sz="2800" b="1" dirty="0">
                 <a:solidFill>
                   <a:srgbClr val="FFFFFF"/>
                 </a:solidFill>
+                <a:effectLst>
+                  <a:outerShdw blurRad="38100" dist="38100" dir="2700000" algn="tl">
+                    <a:srgbClr val="000000">
+                      <a:alpha val="43137"/>
+                    </a:srgbClr>
+                  </a:outerShdw>
+                </a:effectLst>
               </a:rPr>
               <a:t>. Calculated at compile </a:t>
             </a:r>
             <a:r>
-              <a:rPr lang="en-US" sz="2800" dirty="0" smtClean="0">
+              <a:rPr lang="en-US" sz="2800" b="1" dirty="0" smtClean="0">
                 <a:solidFill>
                   <a:srgbClr val="FFFFFF"/>
                 </a:solidFill>
+                <a:effectLst>
+                  <a:outerShdw blurRad="38100" dist="38100" dir="2700000" algn="tl">
+                    <a:srgbClr val="000000">
+                      <a:alpha val="43137"/>
+                    </a:srgbClr>
+                  </a:outerShdw>
+                </a:effectLst>
               </a:rPr>
               <a:t>time</a:t>
             </a:r>
-            <a:endParaRPr lang="en-US" sz="2800" noProof="1">
+            <a:endParaRPr lang="en-US" sz="2800" b="1" noProof="1">
               <a:solidFill>
                 <a:srgbClr val="FFFFFF"/>
               </a:solidFill>
+              <a:effectLst>
+                <a:outerShdw blurRad="38100" dist="38100" dir="2700000" algn="tl">
+                  <a:srgbClr val="000000">
+                    <a:alpha val="43137"/>
+                  </a:srgbClr>
+                </a:outerShdw>
+              </a:effectLst>
             </a:endParaRPr>
           </a:p>
         </p:txBody>
@@ -33623,10 +33949,17 @@
           <a:p>
             <a:pPr algn="ctr"/>
             <a:r>
-              <a:rPr lang="en-US" sz="2800" dirty="0">
+              <a:rPr lang="en-US" sz="2800" b="1" dirty="0">
                 <a:solidFill>
                   <a:srgbClr val="FFFFFF"/>
                 </a:solidFill>
+                <a:effectLst>
+                  <a:outerShdw blurRad="38100" dist="38100" dir="2700000" algn="tl">
+                    <a:srgbClr val="000000">
+                      <a:alpha val="43137"/>
+                    </a:srgbClr>
+                  </a:outerShdw>
+                </a:effectLst>
               </a:rPr>
               <a:t>Expression of type </a:t>
             </a:r>
@@ -33637,31 +33970,59 @@
                     <a:lumMod val="75000"/>
                   </a:schemeClr>
                 </a:solidFill>
+                <a:effectLst>
+                  <a:outerShdw blurRad="38100" dist="38100" dir="2700000" algn="tl">
+                    <a:srgbClr val="000000">
+                      <a:alpha val="43137"/>
+                    </a:srgbClr>
+                  </a:outerShdw>
+                </a:effectLst>
                 <a:latin typeface="Consolas" panose="020B0609020204030204" pitchFamily="49" charset="0"/>
                 <a:cs typeface="Consolas" panose="020B0609020204030204" pitchFamily="49" charset="0"/>
               </a:rPr>
               <a:t>int</a:t>
             </a:r>
             <a:r>
-              <a:rPr lang="en-US" sz="2800" dirty="0">
+              <a:rPr lang="en-US" sz="2800" b="1" dirty="0">
                 <a:solidFill>
                   <a:srgbClr val="FFFFFF"/>
                 </a:solidFill>
+                <a:effectLst>
+                  <a:outerShdw blurRad="38100" dist="38100" dir="2700000" algn="tl">
+                    <a:srgbClr val="000000">
+                      <a:alpha val="43137"/>
+                    </a:srgbClr>
+                  </a:outerShdw>
+                </a:effectLst>
               </a:rPr>
               <a:t>. Calculated at </a:t>
             </a:r>
             <a:r>
-              <a:rPr lang="en-US" sz="2800" dirty="0" smtClean="0">
+              <a:rPr lang="en-US" sz="2800" b="1" dirty="0" smtClean="0">
                 <a:solidFill>
                   <a:srgbClr val="FFFFFF"/>
                 </a:solidFill>
+                <a:effectLst>
+                  <a:outerShdw blurRad="38100" dist="38100" dir="2700000" algn="tl">
+                    <a:srgbClr val="000000">
+                      <a:alpha val="43137"/>
+                    </a:srgbClr>
+                  </a:outerShdw>
+                </a:effectLst>
               </a:rPr>
               <a:t>runtime</a:t>
             </a:r>
-            <a:endParaRPr lang="en-US" sz="2800" noProof="1">
+            <a:endParaRPr lang="en-US" sz="2800" b="1" noProof="1">
               <a:solidFill>
                 <a:srgbClr val="FFFFFF"/>
               </a:solidFill>
+              <a:effectLst>
+                <a:outerShdw blurRad="38100" dist="38100" dir="2700000" algn="tl">
+                  <a:srgbClr val="000000">
+                    <a:alpha val="43137"/>
+                  </a:srgbClr>
+                </a:outerShdw>
+              </a:effectLst>
             </a:endParaRPr>
           </a:p>
         </p:txBody>
@@ -33726,10 +34087,17 @@
           <a:p>
             <a:pPr algn="ctr"/>
             <a:r>
-              <a:rPr lang="en-US" sz="2800" noProof="1">
+              <a:rPr lang="en-US" sz="2800" b="1" noProof="1">
                 <a:solidFill>
                   <a:srgbClr val="FFFFFF"/>
                 </a:solidFill>
+                <a:effectLst>
+                  <a:outerShdw blurRad="38100" dist="38100" dir="2700000" algn="tl">
+                    <a:srgbClr val="000000">
+                      <a:alpha val="43137"/>
+                    </a:srgbClr>
+                  </a:outerShdw>
+                </a:effectLst>
               </a:rPr>
               <a:t>Expression of type </a:t>
             </a:r>
@@ -33740,31 +34108,59 @@
                     <a:lumMod val="75000"/>
                   </a:schemeClr>
                 </a:solidFill>
+                <a:effectLst>
+                  <a:outerShdw blurRad="38100" dist="38100" dir="2700000" algn="tl">
+                    <a:srgbClr val="000000">
+                      <a:alpha val="43137"/>
+                    </a:srgbClr>
+                  </a:outerShdw>
+                </a:effectLst>
                 <a:latin typeface="Consolas" panose="020B0609020204030204" pitchFamily="49" charset="0"/>
                 <a:cs typeface="Consolas" panose="020B0609020204030204" pitchFamily="49" charset="0"/>
               </a:rPr>
               <a:t>bool</a:t>
             </a:r>
             <a:r>
-              <a:rPr lang="en-US" sz="2800" noProof="1">
+              <a:rPr lang="en-US" sz="2800" b="1" noProof="1">
                 <a:solidFill>
                   <a:srgbClr val="FFFFFF"/>
                 </a:solidFill>
+                <a:effectLst>
+                  <a:outerShdw blurRad="38100" dist="38100" dir="2700000" algn="tl">
+                    <a:srgbClr val="000000">
+                      <a:alpha val="43137"/>
+                    </a:srgbClr>
+                  </a:outerShdw>
+                </a:effectLst>
               </a:rPr>
               <a:t>. Calculated at </a:t>
             </a:r>
             <a:r>
-              <a:rPr lang="en-US" sz="2800" noProof="1" smtClean="0">
+              <a:rPr lang="en-US" sz="2800" b="1" noProof="1" smtClean="0">
                 <a:solidFill>
                   <a:srgbClr val="FFFFFF"/>
                 </a:solidFill>
+                <a:effectLst>
+                  <a:outerShdw blurRad="38100" dist="38100" dir="2700000" algn="tl">
+                    <a:srgbClr val="000000">
+                      <a:alpha val="43137"/>
+                    </a:srgbClr>
+                  </a:outerShdw>
+                </a:effectLst>
               </a:rPr>
               <a:t>runtime</a:t>
             </a:r>
-            <a:endParaRPr lang="en-US" sz="2800" noProof="1">
+            <a:endParaRPr lang="en-US" sz="2800" b="1" noProof="1">
               <a:solidFill>
                 <a:srgbClr val="FFFFFF"/>
               </a:solidFill>
+              <a:effectLst>
+                <a:outerShdw blurRad="38100" dist="38100" dir="2700000" algn="tl">
+                  <a:srgbClr val="000000">
+                    <a:alpha val="43137"/>
+                  </a:srgbClr>
+                </a:outerShdw>
+              </a:effectLst>
             </a:endParaRPr>
           </a:p>
         </p:txBody>
@@ -35276,6 +35672,275 @@
 </file>
 
 <file path=ppt/slides/slide50.xml><?xml version="1.0" encoding="utf-8"?>
+<p:sld xmlns:a="http://schemas.openxmlformats.org/drawingml/2006/main" xmlns:r="http://schemas.openxmlformats.org/officeDocument/2006/relationships" xmlns:p="http://schemas.openxmlformats.org/presentationml/2006/main">
+  <p:cSld>
+    <p:spTree>
+      <p:nvGrpSpPr>
+        <p:cNvPr id="1" name=""/>
+        <p:cNvGrpSpPr/>
+        <p:nvPr/>
+      </p:nvGrpSpPr>
+      <p:grpSpPr>
+        <a:xfrm>
+          <a:off x="0" y="0"/>
+          <a:ext cx="0" cy="0"/>
+          <a:chOff x="0" y="0"/>
+          <a:chExt cx="0" cy="0"/>
+        </a:xfrm>
+      </p:grpSpPr>
+      <p:sp>
+        <p:nvSpPr>
+          <p:cNvPr id="444418" name="Rectangle 2"/>
+          <p:cNvSpPr>
+            <a:spLocks noGrp="1" noChangeArrowheads="1"/>
+          </p:cNvSpPr>
+          <p:nvPr>
+            <p:ph type="title"/>
+          </p:nvPr>
+        </p:nvSpPr>
+        <p:spPr/>
+        <p:txBody>
+          <a:bodyPr>
+            <a:normAutofit/>
+          </a:bodyPr>
+          <a:lstStyle/>
+          <a:p>
+            <a:r>
+              <a:rPr lang="en-US" dirty="0" smtClean="0"/>
+              <a:t>SoftUni Diamond Partners</a:t>
+            </a:r>
+            <a:endParaRPr lang="bg-BG" dirty="0"/>
+          </a:p>
+        </p:txBody>
+      </p:sp>
+      <p:pic>
+        <p:nvPicPr>
+          <p:cNvPr id="1027" name="Picture 3">
+            <a:hlinkClick r:id="rId3"/>
+          </p:cNvPr>
+          <p:cNvPicPr>
+            <a:picLocks noChangeAspect="1" noChangeArrowheads="1"/>
+          </p:cNvPicPr>
+          <p:nvPr/>
+        </p:nvPicPr>
+        <p:blipFill>
+          <a:blip r:embed="rId4">
+            <a:extLst>
+              <a:ext uri="{28A0092B-C50C-407E-A947-70E740481C1C}">
+                <a14:useLocalDpi xmlns:a14="http://schemas.microsoft.com/office/drawing/2010/main" val="0"/>
+              </a:ext>
+            </a:extLst>
+          </a:blip>
+          <a:srcRect/>
+          <a:stretch>
+            <a:fillRect/>
+          </a:stretch>
+        </p:blipFill>
+        <p:spPr bwMode="auto">
+          <a:xfrm>
+            <a:off x="8229033" y="1427074"/>
+            <a:ext cx="3473178" cy="1236650"/>
+          </a:xfrm>
+          <a:prstGeom prst="rect">
+            <a:avLst/>
+          </a:prstGeom>
+          <a:noFill/>
+          <a:extLst>
+            <a:ext uri="{909E8E84-426E-40DD-AFC4-6F175D3DCCD1}">
+              <a14:hiddenFill xmlns:a14="http://schemas.microsoft.com/office/drawing/2010/main">
+                <a:solidFill>
+                  <a:srgbClr val="FFFFFF"/>
+                </a:solidFill>
+              </a14:hiddenFill>
+            </a:ext>
+          </a:extLst>
+        </p:spPr>
+      </p:pic>
+      <p:pic>
+        <p:nvPicPr>
+          <p:cNvPr id="3" name="Picture 2">
+            <a:hlinkClick r:id="rId5"/>
+          </p:cNvPr>
+          <p:cNvPicPr>
+            <a:picLocks noChangeAspect="1"/>
+          </p:cNvPicPr>
+          <p:nvPr/>
+        </p:nvPicPr>
+        <p:blipFill>
+          <a:blip r:embed="rId6"/>
+          <a:stretch>
+            <a:fillRect/>
+          </a:stretch>
+        </p:blipFill>
+        <p:spPr>
+          <a:xfrm>
+            <a:off x="531811" y="1427088"/>
+            <a:ext cx="2695672" cy="1236975"/>
+          </a:xfrm>
+          <a:prstGeom prst="rect">
+            <a:avLst/>
+          </a:prstGeom>
+        </p:spPr>
+      </p:pic>
+      <p:pic>
+        <p:nvPicPr>
+          <p:cNvPr id="4" name="Picture 3">
+            <a:hlinkClick r:id="rId7"/>
+          </p:cNvPr>
+          <p:cNvPicPr>
+            <a:picLocks noChangeAspect="1"/>
+          </p:cNvPicPr>
+          <p:nvPr/>
+        </p:nvPicPr>
+        <p:blipFill>
+          <a:blip r:embed="rId8"/>
+          <a:stretch>
+            <a:fillRect/>
+          </a:stretch>
+        </p:blipFill>
+        <p:spPr>
+          <a:xfrm>
+            <a:off x="3858904" y="1427074"/>
+            <a:ext cx="3738707" cy="1236650"/>
+          </a:xfrm>
+          <a:prstGeom prst="rect">
+            <a:avLst/>
+          </a:prstGeom>
+        </p:spPr>
+      </p:pic>
+      <p:pic>
+        <p:nvPicPr>
+          <p:cNvPr id="5" name="Picture 4">
+            <a:hlinkClick r:id="rId9"/>
+          </p:cNvPr>
+          <p:cNvPicPr>
+            <a:picLocks noChangeAspect="1"/>
+          </p:cNvPicPr>
+          <p:nvPr/>
+        </p:nvPicPr>
+        <p:blipFill>
+          <a:blip r:embed="rId10"/>
+          <a:stretch>
+            <a:fillRect/>
+          </a:stretch>
+        </p:blipFill>
+        <p:spPr>
+          <a:xfrm>
+            <a:off x="531811" y="3250872"/>
+            <a:ext cx="2895601" cy="1140691"/>
+          </a:xfrm>
+          <a:prstGeom prst="rect">
+            <a:avLst/>
+          </a:prstGeom>
+        </p:spPr>
+      </p:pic>
+      <p:pic>
+        <p:nvPicPr>
+          <p:cNvPr id="6" name="Picture 5">
+            <a:hlinkClick r:id="rId11"/>
+          </p:cNvPr>
+          <p:cNvPicPr>
+            <a:picLocks noChangeAspect="1"/>
+          </p:cNvPicPr>
+          <p:nvPr/>
+        </p:nvPicPr>
+        <p:blipFill>
+          <a:blip r:embed="rId12"/>
+          <a:stretch>
+            <a:fillRect/>
+          </a:stretch>
+        </p:blipFill>
+        <p:spPr>
+          <a:xfrm>
+            <a:off x="3828589" y="3250871"/>
+            <a:ext cx="2970677" cy="1140691"/>
+          </a:xfrm>
+          <a:prstGeom prst="rect">
+            <a:avLst/>
+          </a:prstGeom>
+        </p:spPr>
+      </p:pic>
+      <p:pic>
+        <p:nvPicPr>
+          <p:cNvPr id="7" name="Picture 6">
+            <a:hlinkClick r:id="rId13"/>
+          </p:cNvPr>
+          <p:cNvPicPr>
+            <a:picLocks noChangeAspect="1"/>
+          </p:cNvPicPr>
+          <p:nvPr/>
+        </p:nvPicPr>
+        <p:blipFill>
+          <a:blip r:embed="rId14"/>
+          <a:stretch>
+            <a:fillRect/>
+          </a:stretch>
+        </p:blipFill>
+        <p:spPr>
+          <a:xfrm>
+            <a:off x="7200444" y="3250875"/>
+            <a:ext cx="4501767" cy="1140691"/>
+          </a:xfrm>
+          <a:prstGeom prst="rect">
+            <a:avLst/>
+          </a:prstGeom>
+        </p:spPr>
+      </p:pic>
+      <p:pic>
+        <p:nvPicPr>
+          <p:cNvPr id="9" name="Picture 8">
+            <a:hlinkClick r:id="rId15"/>
+          </p:cNvPr>
+          <p:cNvPicPr>
+            <a:picLocks noChangeAspect="1"/>
+          </p:cNvPicPr>
+          <p:nvPr/>
+        </p:nvPicPr>
+        <p:blipFill>
+          <a:blip r:embed="rId16"/>
+          <a:stretch>
+            <a:fillRect/>
+          </a:stretch>
+        </p:blipFill>
+        <p:spPr>
+          <a:xfrm>
+            <a:off x="531811" y="4978371"/>
+            <a:ext cx="4645555" cy="896190"/>
+          </a:xfrm>
+          <a:prstGeom prst="rect">
+            <a:avLst/>
+          </a:prstGeom>
+        </p:spPr>
+      </p:pic>
+    </p:spTree>
+    <p:extLst>
+      <p:ext uri="{BB962C8B-B14F-4D97-AF65-F5344CB8AC3E}">
+        <p14:creationId xmlns:p14="http://schemas.microsoft.com/office/powerpoint/2010/main" val="2970002144"/>
+      </p:ext>
+    </p:extLst>
+  </p:cSld>
+  <p:clrMapOvr>
+    <a:masterClrMapping/>
+  </p:clrMapOvr>
+  <mc:AlternateContent xmlns:mc="http://schemas.openxmlformats.org/markup-compatibility/2006" xmlns:p14="http://schemas.microsoft.com/office/powerpoint/2010/main">
+    <mc:Choice Requires="p14">
+      <p:transition p14:dur="0"/>
+    </mc:Choice>
+    <mc:Fallback xmlns="">
+      <p:transition/>
+    </mc:Fallback>
+  </mc:AlternateContent>
+  <p:timing>
+    <p:tnLst>
+      <p:par>
+        <p:cTn id="1" dur="indefinite" restart="never" nodeType="tmRoot"/>
+      </p:par>
+    </p:tnLst>
+  </p:timing>
+</p:sld>
+</file>
+
+<file path=ppt/slides/slide51.xml><?xml version="1.0" encoding="utf-8"?>
 <p:sld xmlns:a="http://schemas.openxmlformats.org/drawingml/2006/main" xmlns:r="http://schemas.openxmlformats.org/officeDocument/2006/relationships" xmlns:p="http://schemas.openxmlformats.org/presentationml/2006/main">
   <p:cSld>
     <p:spTree>
@@ -35797,7 +36462,7 @@
             <p:ph idx="1"/>
             <p:extLst>
               <p:ext uri="{D42A27DB-BD31-4B8C-83A1-F6EECF244321}">
-                <p14:modId xmlns:p14="http://schemas.microsoft.com/office/powerpoint/2010/main" val="1242906648"/>
+                <p14:modId xmlns:p14="http://schemas.microsoft.com/office/powerpoint/2010/main" val="2257164376"/>
               </p:ext>
             </p:extLst>
           </p:nvPr>
@@ -35841,7 +36506,7 @@
                       <a:r>
                         <a:rPr lang="en-US" sz="3200" b="1" kern="1200" dirty="0" smtClean="0">
                           <a:solidFill>
-                            <a:srgbClr val="EBFFD2"/>
+                            <a:schemeClr val="tx1"/>
                           </a:solidFill>
                           <a:effectLst>
                             <a:outerShdw blurRad="38100" dist="38100" dir="2700000" algn="tl">
@@ -35948,7 +36613,7 @@
                       <a:r>
                         <a:rPr lang="en-US" sz="3200" b="1" kern="1200" dirty="0" smtClean="0">
                           <a:solidFill>
-                            <a:srgbClr val="EBFFD2"/>
+                            <a:schemeClr val="tx1"/>
                           </a:solidFill>
                           <a:effectLst>
                             <a:outerShdw blurRad="38100" dist="38100" dir="2700000" algn="tl">
@@ -36061,7 +36726,7 @@
                             <a:noFill/>
                           </a:ln>
                           <a:solidFill>
-                            <a:srgbClr val="EBFFD2"/>
+                            <a:schemeClr val="tx1"/>
                           </a:solidFill>
                           <a:effectLst>
                             <a:outerShdw blurRad="38100" dist="38100" dir="2700000" algn="tl">
@@ -36676,7 +37341,7 @@
                             <a:noFill/>
                           </a:ln>
                           <a:solidFill>
-                            <a:srgbClr val="EBFFD2"/>
+                            <a:schemeClr val="tx1"/>
                           </a:solidFill>
                           <a:effectLst>
                             <a:outerShdw blurRad="38100" dist="38100" dir="2700000" algn="tl">
@@ -36698,7 +37363,7 @@
                           <a:noFill/>
                         </a:ln>
                         <a:solidFill>
-                          <a:srgbClr val="EBFFD2"/>
+                          <a:schemeClr val="tx1"/>
                         </a:solidFill>
                         <a:effectLst>
                           <a:outerShdw blurRad="38100" dist="38100" dir="2700000" algn="tl">
@@ -37011,7 +37676,7 @@
                             <a:noFill/>
                           </a:ln>
                           <a:solidFill>
-                            <a:srgbClr val="EBFFD2"/>
+                            <a:schemeClr val="tx1"/>
                           </a:solidFill>
                           <a:effectLst>
                             <a:outerShdw blurRad="38100" dist="38100" dir="2700000" algn="tl">
@@ -37033,7 +37698,7 @@
                           <a:noFill/>
                         </a:ln>
                         <a:solidFill>
-                          <a:srgbClr val="EBFFD2"/>
+                          <a:schemeClr val="tx1"/>
                         </a:solidFill>
                         <a:effectLst>
                           <a:outerShdw blurRad="38100" dist="38100" dir="2700000" algn="tl">
@@ -37521,7 +38186,7 @@
                             <a:noFill/>
                           </a:ln>
                           <a:solidFill>
-                            <a:srgbClr val="EBFFD2"/>
+                            <a:schemeClr val="tx1"/>
                           </a:solidFill>
                           <a:effectLst>
                             <a:outerShdw blurRad="38100" dist="38100" dir="2700000" algn="tl">
@@ -37543,7 +38208,7 @@
                           <a:noFill/>
                         </a:ln>
                         <a:solidFill>
-                          <a:srgbClr val="EBFFD2"/>
+                          <a:schemeClr val="tx1"/>
                         </a:solidFill>
                         <a:effectLst>
                           <a:outerShdw blurRad="38100" dist="38100" dir="2700000" algn="tl">
@@ -38031,7 +38696,7 @@
                             <a:noFill/>
                           </a:ln>
                           <a:solidFill>
-                            <a:srgbClr val="EBFFD2"/>
+                            <a:schemeClr val="tx1"/>
                           </a:solidFill>
                           <a:effectLst>
                             <a:outerShdw blurRad="38100" dist="38100" dir="2700000" algn="tl">
@@ -38053,7 +38718,7 @@
                           <a:noFill/>
                         </a:ln>
                         <a:solidFill>
-                          <a:srgbClr val="EBFFD2"/>
+                          <a:schemeClr val="tx1"/>
                         </a:solidFill>
                         <a:effectLst>
                           <a:outerShdw blurRad="38100" dist="38100" dir="2700000" algn="tl">
@@ -38791,6 +39456,29 @@
                             <a:noFill/>
                           </a:ln>
                           <a:solidFill>
+                            <a:schemeClr val="tx1"/>
+                          </a:solidFill>
+                          <a:effectLst>
+                            <a:outerShdw blurRad="38100" dist="38100" dir="2700000" algn="tl">
+                              <a:srgbClr val="000000">
+                                <a:alpha val="43137"/>
+                              </a:srgbClr>
+                            </a:outerShdw>
+                          </a:effectLst>
+                          <a:uLnTx/>
+                          <a:uFillTx/>
+                          <a:latin typeface="+mn-lt"/>
+                          <a:ea typeface="+mn-ea"/>
+                          <a:cs typeface="+mn-cs"/>
+                        </a:rPr>
+                        <a:t>String</a:t>
+                      </a:r>
+                      <a:r>
+                        <a:rPr kumimoji="0" lang="en-US" sz="2800" b="1" i="0" u="none" strike="noStrike" kern="1200" cap="none" spc="0" normalizeH="0" baseline="0" noProof="0" dirty="0" smtClean="0">
+                          <a:ln>
+                            <a:noFill/>
+                          </a:ln>
+                          <a:solidFill>
                             <a:srgbClr val="EBFFD2"/>
                           </a:solidFill>
                           <a:effectLst>
@@ -38806,14 +39494,37 @@
                           <a:ea typeface="+mn-ea"/>
                           <a:cs typeface="+mn-cs"/>
                         </a:rPr>
-                        <a:t>String concatenation</a:t>
+                        <a:t> </a:t>
+                      </a:r>
+                      <a:r>
+                        <a:rPr kumimoji="0" lang="en-US" sz="2800" b="1" i="0" u="none" strike="noStrike" kern="1200" cap="none" spc="0" normalizeH="0" baseline="0" noProof="0" dirty="0" smtClean="0">
+                          <a:ln>
+                            <a:noFill/>
+                          </a:ln>
+                          <a:solidFill>
+                            <a:schemeClr val="tx1"/>
+                          </a:solidFill>
+                          <a:effectLst>
+                            <a:outerShdw blurRad="38100" dist="38100" dir="2700000" algn="tl">
+                              <a:srgbClr val="000000">
+                                <a:alpha val="43137"/>
+                              </a:srgbClr>
+                            </a:outerShdw>
+                          </a:effectLst>
+                          <a:uLnTx/>
+                          <a:uFillTx/>
+                          <a:latin typeface="+mn-lt"/>
+                          <a:ea typeface="+mn-ea"/>
+                          <a:cs typeface="+mn-cs"/>
+                        </a:rPr>
+                        <a:t>concatenation</a:t>
                       </a:r>
                       <a:endParaRPr kumimoji="0" lang="bg-BG" sz="2800" b="1" i="0" u="none" strike="noStrike" kern="1200" cap="none" spc="0" normalizeH="0" baseline="0" noProof="0" dirty="0" smtClean="0">
                         <a:ln>
                           <a:noFill/>
                         </a:ln>
                         <a:solidFill>
-                          <a:srgbClr val="EBFFD2"/>
+                          <a:schemeClr val="tx1"/>
                         </a:solidFill>
                         <a:effectLst>
                           <a:outerShdw blurRad="38100" dist="38100" dir="2700000" algn="tl">
@@ -39051,6 +39762,29 @@
                             <a:noFill/>
                           </a:ln>
                           <a:solidFill>
+                            <a:schemeClr val="tx1"/>
+                          </a:solidFill>
+                          <a:effectLst>
+                            <a:outerShdw blurRad="38100" dist="38100" dir="2700000" algn="tl">
+                              <a:srgbClr val="000000">
+                                <a:alpha val="43137"/>
+                              </a:srgbClr>
+                            </a:outerShdw>
+                          </a:effectLst>
+                          <a:uLnTx/>
+                          <a:uFillTx/>
+                          <a:latin typeface="+mn-lt"/>
+                          <a:ea typeface="+mn-ea"/>
+                          <a:cs typeface="+mn-cs"/>
+                        </a:rPr>
+                        <a:t>Type</a:t>
+                      </a:r>
+                      <a:r>
+                        <a:rPr kumimoji="0" lang="en-US" sz="2800" b="1" i="0" u="none" strike="noStrike" kern="1200" cap="none" spc="0" normalizeH="0" baseline="0" noProof="0" dirty="0" smtClean="0">
+                          <a:ln>
+                            <a:noFill/>
+                          </a:ln>
+                          <a:solidFill>
                             <a:srgbClr val="EBFFD2"/>
                           </a:solidFill>
                           <a:effectLst>
@@ -39066,7 +39800,30 @@
                           <a:ea typeface="+mn-ea"/>
                           <a:cs typeface="+mn-cs"/>
                         </a:rPr>
-                        <a:t>Type conversion</a:t>
+                        <a:t> </a:t>
+                      </a:r>
+                      <a:r>
+                        <a:rPr kumimoji="0" lang="en-US" sz="2800" b="1" i="0" u="none" strike="noStrike" kern="1200" cap="none" spc="0" normalizeH="0" baseline="0" noProof="0" dirty="0" smtClean="0">
+                          <a:ln>
+                            <a:noFill/>
+                          </a:ln>
+                          <a:solidFill>
+                            <a:schemeClr val="tx1"/>
+                          </a:solidFill>
+                          <a:effectLst>
+                            <a:outerShdw blurRad="38100" dist="38100" dir="2700000" algn="tl">
+                              <a:srgbClr val="000000">
+                                <a:alpha val="43137"/>
+                              </a:srgbClr>
+                            </a:outerShdw>
+                          </a:effectLst>
+                          <a:uLnTx/>
+                          <a:uFillTx/>
+                          <a:latin typeface="+mn-lt"/>
+                          <a:ea typeface="+mn-ea"/>
+                          <a:cs typeface="+mn-cs"/>
+                        </a:rPr>
+                        <a:t>conversion</a:t>
                       </a:r>
                     </a:p>
                   </a:txBody>
@@ -39291,7 +40048,7 @@
                             <a:noFill/>
                           </a:ln>
                           <a:solidFill>
-                            <a:srgbClr val="EBFFD2"/>
+                            <a:schemeClr val="tx1"/>
                           </a:solidFill>
                           <a:effectLst>
                             <a:outerShdw blurRad="38100" dist="38100" dir="2700000" algn="tl">
@@ -39721,7 +40478,7 @@
             <p:ph idx="1"/>
             <p:extLst>
               <p:ext uri="{D42A27DB-BD31-4B8C-83A1-F6EECF244321}">
-                <p14:modId xmlns:p14="http://schemas.microsoft.com/office/powerpoint/2010/main" val="1749696221"/>
+                <p14:modId xmlns:p14="http://schemas.microsoft.com/office/powerpoint/2010/main" val="489906600"/>
               </p:ext>
             </p:extLst>
           </p:nvPr>
@@ -39765,7 +40522,7 @@
                       <a:r>
                         <a:rPr lang="en-US" sz="3200" b="1" kern="1200" dirty="0" smtClean="0">
                           <a:solidFill>
-                            <a:srgbClr val="EBFFD2"/>
+                            <a:schemeClr val="tx1"/>
                           </a:solidFill>
                           <a:effectLst>
                             <a:outerShdw blurRad="38100" dist="38100" dir="2700000" algn="tl">
@@ -39872,7 +40629,7 @@
                       <a:r>
                         <a:rPr lang="en-US" sz="3200" b="1" kern="1200" dirty="0" smtClean="0">
                           <a:solidFill>
-                            <a:srgbClr val="EBFFD2"/>
+                            <a:schemeClr val="tx1"/>
                           </a:solidFill>
                           <a:effectLst>
                             <a:outerShdw blurRad="38100" dist="38100" dir="2700000" algn="tl">
@@ -39985,7 +40742,7 @@
                             <a:noFill/>
                           </a:ln>
                           <a:solidFill>
-                            <a:srgbClr val="EBFFD2"/>
+                            <a:schemeClr val="tx1"/>
                           </a:solidFill>
                           <a:effectLst>
                             <a:outerShdw blurRad="38100" dist="38100" dir="2700000" algn="tl">
@@ -40386,7 +41143,30 @@
                           <a:ea typeface="+mn-ea"/>
                           <a:cs typeface="+mn-cs"/>
                         </a:rPr>
-                        <a:t> (postfix)</a:t>
+                        <a:t> </a:t>
+                      </a:r>
+                      <a:r>
+                        <a:rPr kumimoji="0" lang="en-US" sz="2600" b="1" i="0" u="none" strike="noStrike" kern="1200" cap="none" spc="0" normalizeH="0" baseline="0" noProof="0" dirty="0" smtClean="0">
+                          <a:ln>
+                            <a:noFill/>
+                          </a:ln>
+                          <a:solidFill>
+                            <a:schemeClr val="tx1"/>
+                          </a:solidFill>
+                          <a:effectLst>
+                            <a:outerShdw blurRad="38100" dist="38100" dir="2700000" algn="tl">
+                              <a:srgbClr val="000000">
+                                <a:alpha val="43137"/>
+                              </a:srgbClr>
+                            </a:outerShdw>
+                          </a:effectLst>
+                          <a:uLnTx/>
+                          <a:uFillTx/>
+                          <a:latin typeface="+mn-lt"/>
+                          <a:ea typeface="+mn-ea"/>
+                          <a:cs typeface="+mn-cs"/>
+                        </a:rPr>
+                        <a:t>(postfix)</a:t>
                       </a:r>
                       <a:r>
                         <a:rPr kumimoji="1" lang="en-US" sz="2600" b="1" i="0" u="none" strike="noStrike" cap="none" normalizeH="0" baseline="0" dirty="0" smtClean="0">
@@ -40394,10 +41174,7 @@
                             <a:noFill/>
                           </a:ln>
                           <a:solidFill>
-                            <a:schemeClr val="accent5">
-                              <a:lumMod val="20000"/>
-                              <a:lumOff val="80000"/>
-                            </a:schemeClr>
+                            <a:schemeClr val="tx1"/>
                           </a:solidFill>
                           <a:effectLst>
                             <a:outerShdw blurRad="38100" dist="38100" dir="2700000" algn="tl">
@@ -40755,7 +41532,30 @@
                           <a:ea typeface="+mn-ea"/>
                           <a:cs typeface="+mn-cs"/>
                         </a:rPr>
-                        <a:t> (prefix)</a:t>
+                        <a:t> </a:t>
+                      </a:r>
+                      <a:r>
+                        <a:rPr kumimoji="0" lang="en-US" sz="2600" b="1" i="0" u="none" strike="noStrike" kern="1200" cap="none" spc="0" normalizeH="0" baseline="0" noProof="0" dirty="0" smtClean="0">
+                          <a:ln>
+                            <a:noFill/>
+                          </a:ln>
+                          <a:solidFill>
+                            <a:schemeClr val="tx1"/>
+                          </a:solidFill>
+                          <a:effectLst>
+                            <a:outerShdw blurRad="38100" dist="38100" dir="2700000" algn="tl">
+                              <a:srgbClr val="000000">
+                                <a:alpha val="43137"/>
+                              </a:srgbClr>
+                            </a:outerShdw>
+                          </a:effectLst>
+                          <a:uLnTx/>
+                          <a:uFillTx/>
+                          <a:latin typeface="+mn-lt"/>
+                          <a:ea typeface="+mn-ea"/>
+                          <a:cs typeface="+mn-cs"/>
+                        </a:rPr>
+                        <a:t>(prefix)</a:t>
                       </a:r>
                       <a:r>
                         <a:rPr kumimoji="1" lang="en-US" sz="2600" b="1" i="0" u="none" strike="noStrike" cap="none" normalizeH="0" baseline="0" dirty="0" smtClean="0">
@@ -40763,10 +41563,7 @@
                             <a:noFill/>
                           </a:ln>
                           <a:solidFill>
-                            <a:schemeClr val="accent5">
-                              <a:lumMod val="20000"/>
-                              <a:lumOff val="80000"/>
-                            </a:schemeClr>
+                            <a:schemeClr val="tx1"/>
                           </a:solidFill>
                           <a:effectLst>
                             <a:outerShdw blurRad="38100" dist="38100" dir="2700000" algn="tl">
@@ -40868,7 +41665,30 @@
                           <a:ea typeface="+mn-ea"/>
                           <a:cs typeface="+mn-cs"/>
                         </a:rPr>
-                        <a:t> (unary)</a:t>
+                        <a:t> </a:t>
+                      </a:r>
+                      <a:r>
+                        <a:rPr kumimoji="0" lang="en-US" sz="2600" b="1" i="0" u="none" strike="noStrike" kern="1200" cap="none" spc="0" normalizeH="0" baseline="0" noProof="0" dirty="0" smtClean="0">
+                          <a:ln>
+                            <a:noFill/>
+                          </a:ln>
+                          <a:solidFill>
+                            <a:schemeClr val="tx1"/>
+                          </a:solidFill>
+                          <a:effectLst>
+                            <a:outerShdw blurRad="38100" dist="38100" dir="2700000" algn="tl">
+                              <a:srgbClr val="000000">
+                                <a:alpha val="43137"/>
+                              </a:srgbClr>
+                            </a:outerShdw>
+                          </a:effectLst>
+                          <a:uLnTx/>
+                          <a:uFillTx/>
+                          <a:latin typeface="+mn-lt"/>
+                          <a:ea typeface="+mn-ea"/>
+                          <a:cs typeface="+mn-cs"/>
+                        </a:rPr>
+                        <a:t>(unary)</a:t>
                       </a:r>
                       <a:r>
                         <a:rPr kumimoji="1" lang="en-US" sz="2600" b="1" i="0" u="none" strike="noStrike" cap="none" normalizeH="0" baseline="0" dirty="0" smtClean="0">
@@ -42273,7 +43093,7 @@
                             <a:noFill/>
                           </a:ln>
                           <a:solidFill>
-                            <a:srgbClr val="EBFFD2"/>
+                            <a:schemeClr val="tx1"/>
                           </a:solidFill>
                           <a:effectLst>
                             <a:outerShdw blurRad="38100" dist="38100" dir="2700000" algn="tl">
@@ -44316,7 +45136,7 @@
   <a:extraClrSchemeLst/>
   <a:extLst>
     <a:ext uri="{05A4C25C-085E-4340-85A3-A5531E510DB2}">
-      <thm15:themeFamily xmlns="" xmlns:thm15="http://schemas.microsoft.com/office/thememl/2012/main" name="SoftUniFoundation" id="{4569CC37-8939-4D0B-BE63-0C892D7F1C03}" vid="{F90E7DFB-A8DE-4492-BBD3-9D3D8F39D2EC}"/>
+      <thm15:themeFamily xmlns:thm15="http://schemas.microsoft.com/office/thememl/2012/main" name="SoftUniFoundation" id="{4569CC37-8939-4D0B-BE63-0C892D7F1C03}" vid="{F90E7DFB-A8DE-4492-BBD3-9D3D8F39D2EC}"/>
     </a:ext>
   </a:extLst>
 </a:theme>
@@ -44577,7 +45397,7 @@
   <a:extraClrSchemeLst/>
   <a:extLst>
     <a:ext uri="{05A4C25C-085E-4340-85A3-A5531E510DB2}">
-      <thm15:themeFamily xmlns="" xmlns:thm15="http://schemas.microsoft.com/office/thememl/2012/main" name="Office Theme" id="{62F939B6-93AF-4DB8-9C6B-D6C7DFDC589F}" vid="{4A3C46E8-61CC-4603-A589-7422A47A8E4A}"/>
+      <thm15:themeFamily xmlns:thm15="http://schemas.microsoft.com/office/thememl/2012/main" name="Office Theme" id="{62F939B6-93AF-4DB8-9C6B-D6C7DFDC589F}" vid="{4A3C46E8-61CC-4603-A589-7422A47A8E4A}"/>
     </a:ext>
   </a:extLst>
 </a:theme>
